--- a/geoprocessing_with_arcpy.pptx
+++ b/geoprocessing_with_arcpy.pptx
@@ -267,7 +267,7 @@
           <a:p>
             <a:fld id="{128FCA9C-FF92-4024-BDEC-A6D3B663DC09}" type="datetimeFigureOut">
               <a:rPr lang="en-US"/>
-              <a:t>11/12/2018</a:t>
+              <a:t>11/6/2019</a:t>
             </a:fld>
             <a:endParaRPr/>
           </a:p>
@@ -432,7 +432,7 @@
           <a:p>
             <a:fld id="{772AB877-E7B1-4681-847E-D0918612832B}" type="datetimeFigureOut">
               <a:rPr lang="en-US"/>
-              <a:t>11/12/2018</a:t>
+              <a:t>11/6/2019</a:t>
             </a:fld>
             <a:endParaRPr/>
           </a:p>
@@ -496,35 +496,30 @@
           <a:p>
             <a:pPr lvl="0"/>
             <a:r>
-              <a:rPr/>
               <a:t>Click to edit Master text styles</a:t>
             </a:r>
           </a:p>
           <a:p>
             <a:pPr lvl="1"/>
             <a:r>
-              <a:rPr/>
               <a:t>Second level</a:t>
             </a:r>
           </a:p>
           <a:p>
             <a:pPr lvl="2"/>
             <a:r>
-              <a:rPr/>
               <a:t>Third level</a:t>
             </a:r>
           </a:p>
           <a:p>
             <a:pPr lvl="3"/>
             <a:r>
-              <a:rPr/>
               <a:t>Fourth level</a:t>
             </a:r>
           </a:p>
           <a:p>
             <a:pPr lvl="4"/>
             <a:r>
-              <a:rPr/>
               <a:t>Fifth level</a:t>
             </a:r>
           </a:p>
@@ -842,7 +837,7 @@
           </a:lstStyle>
           <a:p>
             <a:r>
-              <a:rPr lang="en-US" smtClean="0"/>
+              <a:rPr lang="en-US"/>
               <a:t>Click to edit Master title style</a:t>
             </a:r>
             <a:endParaRPr lang="en-US" dirty="0"/>
@@ -962,7 +957,7 @@
           </a:lstStyle>
           <a:p>
             <a:r>
-              <a:rPr lang="en-US" smtClean="0"/>
+              <a:rPr lang="en-US"/>
               <a:t>Click to edit Master subtitle style</a:t>
             </a:r>
             <a:endParaRPr lang="en-US" dirty="0"/>
@@ -987,7 +982,7 @@
             <a:fld id="{87DE6118-2437-4B30-8E3C-4D2BE6020583}" type="datetimeFigureOut">
               <a:rPr lang="en-US" smtClean="0"/>
               <a:pPr/>
-              <a:t>11/12/2018</a:t>
+              <a:t>11/6/2019</a:t>
             </a:fld>
             <a:endParaRPr lang="en-US" dirty="0"/>
           </a:p>
@@ -1093,13 +1088,6 @@
       </p:transition>
     </mc:Fallback>
   </mc:AlternateContent>
-  <p:timing>
-    <p:tnLst>
-      <p:par>
-        <p:cTn id="1" dur="indefinite" restart="never" nodeType="tmRoot"/>
-      </p:par>
-    </p:tnLst>
-  </p:timing>
 </p:sldLayout>
 </file>
 
@@ -1136,10 +1124,9 @@
           <a:lstStyle/>
           <a:p>
             <a:r>
-              <a:rPr lang="en-US" smtClean="0"/>
+              <a:rPr lang="en-US"/>
               <a:t>Click to edit Master title style</a:t>
             </a:r>
-            <a:endParaRPr lang="en-US"/>
           </a:p>
         </p:txBody>
       </p:sp>
@@ -1160,38 +1147,37 @@
           <a:p>
             <a:pPr lvl="0"/>
             <a:r>
-              <a:rPr lang="en-US" smtClean="0"/>
+              <a:rPr lang="en-US"/>
               <a:t>Click to edit Master text styles</a:t>
             </a:r>
           </a:p>
           <a:p>
             <a:pPr lvl="1"/>
             <a:r>
-              <a:rPr lang="en-US" smtClean="0"/>
+              <a:rPr lang="en-US"/>
               <a:t>Second level</a:t>
             </a:r>
           </a:p>
           <a:p>
             <a:pPr lvl="2"/>
             <a:r>
-              <a:rPr lang="en-US" smtClean="0"/>
+              <a:rPr lang="en-US"/>
               <a:t>Third level</a:t>
             </a:r>
           </a:p>
           <a:p>
             <a:pPr lvl="3"/>
             <a:r>
-              <a:rPr lang="en-US" smtClean="0"/>
+              <a:rPr lang="en-US"/>
               <a:t>Fourth level</a:t>
             </a:r>
           </a:p>
           <a:p>
             <a:pPr lvl="4"/>
             <a:r>
-              <a:rPr lang="en-US" smtClean="0"/>
+              <a:rPr lang="en-US"/>
               <a:t>Fifth level</a:t>
             </a:r>
-            <a:endParaRPr lang="en-US"/>
           </a:p>
         </p:txBody>
       </p:sp>
@@ -1212,7 +1198,7 @@
           <a:p>
             <a:fld id="{EDF33987-6305-4E2A-BF18-EF013ECE927B}" type="datetimeFigureOut">
               <a:rPr lang="en-US" smtClean="0"/>
-              <a:t>11/12/2018</a:t>
+              <a:t>11/6/2019</a:t>
             </a:fld>
             <a:endParaRPr lang="en-US"/>
           </a:p>
@@ -1282,13 +1268,6 @@
       </p:transition>
     </mc:Fallback>
   </mc:AlternateContent>
-  <p:timing>
-    <p:tnLst>
-      <p:par>
-        <p:cTn id="1" dur="indefinite" restart="never" nodeType="tmRoot"/>
-      </p:par>
-    </p:tnLst>
-  </p:timing>
 </p:sldLayout>
 </file>
 
@@ -1330,7 +1309,7 @@
           <a:lstStyle/>
           <a:p>
             <a:r>
-              <a:rPr lang="en-US" smtClean="0"/>
+              <a:rPr lang="en-US"/>
               <a:t>Click to edit Master title style</a:t>
             </a:r>
             <a:endParaRPr lang="en-US" dirty="0"/>
@@ -1359,35 +1338,35 @@
           <a:p>
             <a:pPr lvl="0"/>
             <a:r>
-              <a:rPr lang="en-US" smtClean="0"/>
+              <a:rPr lang="en-US"/>
               <a:t>Click to edit Master text styles</a:t>
             </a:r>
           </a:p>
           <a:p>
             <a:pPr lvl="1"/>
             <a:r>
-              <a:rPr lang="en-US" smtClean="0"/>
+              <a:rPr lang="en-US"/>
               <a:t>Second level</a:t>
             </a:r>
           </a:p>
           <a:p>
             <a:pPr lvl="2"/>
             <a:r>
-              <a:rPr lang="en-US" smtClean="0"/>
+              <a:rPr lang="en-US"/>
               <a:t>Third level</a:t>
             </a:r>
           </a:p>
           <a:p>
             <a:pPr lvl="3"/>
             <a:r>
-              <a:rPr lang="en-US" smtClean="0"/>
+              <a:rPr lang="en-US"/>
               <a:t>Fourth level</a:t>
             </a:r>
           </a:p>
           <a:p>
             <a:pPr lvl="4"/>
             <a:r>
-              <a:rPr lang="en-US" smtClean="0"/>
+              <a:rPr lang="en-US"/>
               <a:t>Fifth level</a:t>
             </a:r>
             <a:endParaRPr lang="en-US" dirty="0"/>
@@ -1411,7 +1390,7 @@
           <a:p>
             <a:fld id="{EDF33987-6305-4E2A-BF18-EF013ECE927B}" type="datetimeFigureOut">
               <a:rPr lang="en-US" smtClean="0"/>
-              <a:t>11/12/2018</a:t>
+              <a:t>11/6/2019</a:t>
             </a:fld>
             <a:endParaRPr lang="en-US"/>
           </a:p>
@@ -1481,13 +1460,6 @@
       </p:transition>
     </mc:Fallback>
   </mc:AlternateContent>
-  <p:timing>
-    <p:tnLst>
-      <p:par>
-        <p:cTn id="1" dur="indefinite" restart="never" nodeType="tmRoot"/>
-      </p:par>
-    </p:tnLst>
-  </p:timing>
 </p:sldLayout>
 </file>
 
@@ -1529,10 +1501,9 @@
           <a:lstStyle/>
           <a:p>
             <a:r>
-              <a:rPr lang="en-US" smtClean="0"/>
+              <a:rPr lang="en-US"/>
               <a:t>Click to edit Master title style</a:t>
             </a:r>
-            <a:endParaRPr lang="en-US"/>
           </a:p>
         </p:txBody>
       </p:sp>
@@ -1558,38 +1529,37 @@
           <a:p>
             <a:pPr lvl="0"/>
             <a:r>
-              <a:rPr lang="en-US" smtClean="0"/>
+              <a:rPr lang="en-US"/>
               <a:t>Click to edit Master text styles</a:t>
             </a:r>
           </a:p>
           <a:p>
             <a:pPr lvl="1"/>
             <a:r>
-              <a:rPr lang="en-US" smtClean="0"/>
+              <a:rPr lang="en-US"/>
               <a:t>Second level</a:t>
             </a:r>
           </a:p>
           <a:p>
             <a:pPr lvl="2"/>
             <a:r>
-              <a:rPr lang="en-US" smtClean="0"/>
+              <a:rPr lang="en-US"/>
               <a:t>Third level</a:t>
             </a:r>
           </a:p>
           <a:p>
             <a:pPr lvl="3"/>
             <a:r>
-              <a:rPr lang="en-US" smtClean="0"/>
+              <a:rPr lang="en-US"/>
               <a:t>Fourth level</a:t>
             </a:r>
           </a:p>
           <a:p>
             <a:pPr lvl="4"/>
             <a:r>
-              <a:rPr lang="en-US" smtClean="0"/>
+              <a:rPr lang="en-US"/>
               <a:t>Fifth level</a:t>
             </a:r>
-            <a:endParaRPr lang="en-US"/>
           </a:p>
         </p:txBody>
       </p:sp>
@@ -1615,38 +1585,37 @@
           <a:p>
             <a:pPr lvl="0"/>
             <a:r>
-              <a:rPr lang="en-US" smtClean="0"/>
+              <a:rPr lang="en-US"/>
               <a:t>Click to edit Master text styles</a:t>
             </a:r>
           </a:p>
           <a:p>
             <a:pPr lvl="1"/>
             <a:r>
-              <a:rPr lang="en-US" smtClean="0"/>
+              <a:rPr lang="en-US"/>
               <a:t>Second level</a:t>
             </a:r>
           </a:p>
           <a:p>
             <a:pPr lvl="2"/>
             <a:r>
-              <a:rPr lang="en-US" smtClean="0"/>
+              <a:rPr lang="en-US"/>
               <a:t>Third level</a:t>
             </a:r>
           </a:p>
           <a:p>
             <a:pPr lvl="3"/>
             <a:r>
-              <a:rPr lang="en-US" smtClean="0"/>
+              <a:rPr lang="en-US"/>
               <a:t>Fourth level</a:t>
             </a:r>
           </a:p>
           <a:p>
             <a:pPr lvl="4"/>
             <a:r>
-              <a:rPr lang="en-US" smtClean="0"/>
+              <a:rPr lang="en-US"/>
               <a:t>Fifth level</a:t>
             </a:r>
-            <a:endParaRPr lang="en-US"/>
           </a:p>
         </p:txBody>
       </p:sp>
@@ -1724,10 +1693,9 @@
           <a:lstStyle/>
           <a:p>
             <a:r>
-              <a:rPr lang="en-US" smtClean="0"/>
+              <a:rPr lang="en-US"/>
               <a:t>Click to edit Master title style</a:t>
             </a:r>
-            <a:endParaRPr lang="en-US"/>
           </a:p>
         </p:txBody>
       </p:sp>
@@ -1748,38 +1716,37 @@
           <a:p>
             <a:pPr lvl="0"/>
             <a:r>
-              <a:rPr lang="en-US" smtClean="0"/>
+              <a:rPr lang="en-US"/>
               <a:t>Click to edit Master text styles</a:t>
             </a:r>
           </a:p>
           <a:p>
             <a:pPr lvl="1"/>
             <a:r>
-              <a:rPr lang="en-US" smtClean="0"/>
+              <a:rPr lang="en-US"/>
               <a:t>Second level</a:t>
             </a:r>
           </a:p>
           <a:p>
             <a:pPr lvl="2"/>
             <a:r>
-              <a:rPr lang="en-US" smtClean="0"/>
+              <a:rPr lang="en-US"/>
               <a:t>Third level</a:t>
             </a:r>
           </a:p>
           <a:p>
             <a:pPr lvl="3"/>
             <a:r>
-              <a:rPr lang="en-US" smtClean="0"/>
+              <a:rPr lang="en-US"/>
               <a:t>Fourth level</a:t>
             </a:r>
           </a:p>
           <a:p>
             <a:pPr lvl="4"/>
             <a:r>
-              <a:rPr lang="en-US" smtClean="0"/>
+              <a:rPr lang="en-US"/>
               <a:t>Fifth level</a:t>
             </a:r>
-            <a:endParaRPr lang="en-US"/>
           </a:p>
         </p:txBody>
       </p:sp>
@@ -1800,7 +1767,7 @@
           <a:p>
             <a:fld id="{EDF33987-6305-4E2A-BF18-EF013ECE927B}" type="datetimeFigureOut">
               <a:rPr lang="en-US" smtClean="0"/>
-              <a:t>11/12/2018</a:t>
+              <a:t>11/6/2019</a:t>
             </a:fld>
             <a:endParaRPr lang="en-US"/>
           </a:p>
@@ -1870,13 +1837,6 @@
       </p:transition>
     </mc:Fallback>
   </mc:AlternateContent>
-  <p:timing>
-    <p:tnLst>
-      <p:par>
-        <p:cTn id="1" dur="indefinite" restart="never" nodeType="tmRoot"/>
-      </p:par>
-    </p:tnLst>
-  </p:timing>
 </p:sldLayout>
 </file>
 
@@ -1929,7 +1889,7 @@
           </a:lstStyle>
           <a:p>
             <a:r>
-              <a:rPr lang="en-US" smtClean="0"/>
+              <a:rPr lang="en-US"/>
               <a:t>Click to edit Master title style</a:t>
             </a:r>
             <a:endParaRPr lang="en-US" dirty="0"/>
@@ -2049,7 +2009,7 @@
           <a:p>
             <a:pPr lvl="0"/>
             <a:r>
-              <a:rPr lang="en-US" smtClean="0"/>
+              <a:rPr lang="en-US"/>
               <a:t>Click to edit Master text styles</a:t>
             </a:r>
           </a:p>
@@ -2072,7 +2032,7 @@
           <a:p>
             <a:fld id="{EDF33987-6305-4E2A-BF18-EF013ECE927B}" type="datetimeFigureOut">
               <a:rPr lang="en-US" smtClean="0"/>
-              <a:t>11/12/2018</a:t>
+              <a:t>11/6/2019</a:t>
             </a:fld>
             <a:endParaRPr lang="en-US"/>
           </a:p>
@@ -2177,13 +2137,6 @@
       </p:transition>
     </mc:Fallback>
   </mc:AlternateContent>
-  <p:timing>
-    <p:tnLst>
-      <p:par>
-        <p:cTn id="1" dur="indefinite" restart="never" nodeType="tmRoot"/>
-      </p:par>
-    </p:tnLst>
-  </p:timing>
 </p:sldLayout>
 </file>
 
@@ -2220,10 +2173,9 @@
           <a:lstStyle/>
           <a:p>
             <a:r>
-              <a:rPr lang="en-US" smtClean="0"/>
+              <a:rPr lang="en-US"/>
               <a:t>Click to edit Master title style</a:t>
             </a:r>
-            <a:endParaRPr lang="en-US"/>
           </a:p>
         </p:txBody>
       </p:sp>
@@ -2277,35 +2229,35 @@
           <a:p>
             <a:pPr lvl="0"/>
             <a:r>
-              <a:rPr lang="en-US" smtClean="0"/>
+              <a:rPr lang="en-US"/>
               <a:t>Click to edit Master text styles</a:t>
             </a:r>
           </a:p>
           <a:p>
             <a:pPr lvl="1"/>
             <a:r>
-              <a:rPr lang="en-US" smtClean="0"/>
+              <a:rPr lang="en-US"/>
               <a:t>Second level</a:t>
             </a:r>
           </a:p>
           <a:p>
             <a:pPr lvl="2"/>
             <a:r>
-              <a:rPr lang="en-US" smtClean="0"/>
+              <a:rPr lang="en-US"/>
               <a:t>Third level</a:t>
             </a:r>
           </a:p>
           <a:p>
             <a:pPr lvl="3"/>
             <a:r>
-              <a:rPr lang="en-US" smtClean="0"/>
+              <a:rPr lang="en-US"/>
               <a:t>Fourth level</a:t>
             </a:r>
           </a:p>
           <a:p>
             <a:pPr lvl="4"/>
             <a:r>
-              <a:rPr lang="en-US" smtClean="0"/>
+              <a:rPr lang="en-US"/>
               <a:t>Fifth level</a:t>
             </a:r>
             <a:endParaRPr lang="en-US" dirty="0"/>
@@ -2362,35 +2314,35 @@
           <a:p>
             <a:pPr lvl="0"/>
             <a:r>
-              <a:rPr lang="en-US" smtClean="0"/>
+              <a:rPr lang="en-US"/>
               <a:t>Click to edit Master text styles</a:t>
             </a:r>
           </a:p>
           <a:p>
             <a:pPr lvl="1"/>
             <a:r>
-              <a:rPr lang="en-US" smtClean="0"/>
+              <a:rPr lang="en-US"/>
               <a:t>Second level</a:t>
             </a:r>
           </a:p>
           <a:p>
             <a:pPr lvl="2"/>
             <a:r>
-              <a:rPr lang="en-US" smtClean="0"/>
+              <a:rPr lang="en-US"/>
               <a:t>Third level</a:t>
             </a:r>
           </a:p>
           <a:p>
             <a:pPr lvl="3"/>
             <a:r>
-              <a:rPr lang="en-US" smtClean="0"/>
+              <a:rPr lang="en-US"/>
               <a:t>Fourth level</a:t>
             </a:r>
           </a:p>
           <a:p>
             <a:pPr lvl="4"/>
             <a:r>
-              <a:rPr lang="en-US" smtClean="0"/>
+              <a:rPr lang="en-US"/>
               <a:t>Fifth level</a:t>
             </a:r>
             <a:endParaRPr lang="en-US" dirty="0"/>
@@ -2414,7 +2366,7 @@
           <a:p>
             <a:fld id="{EDF33987-6305-4E2A-BF18-EF013ECE927B}" type="datetimeFigureOut">
               <a:rPr lang="en-US" smtClean="0"/>
-              <a:t>11/12/2018</a:t>
+              <a:t>11/6/2019</a:t>
             </a:fld>
             <a:endParaRPr lang="en-US"/>
           </a:p>
@@ -2484,13 +2436,6 @@
       </p:transition>
     </mc:Fallback>
   </mc:AlternateContent>
-  <p:timing>
-    <p:tnLst>
-      <p:par>
-        <p:cTn id="1" dur="indefinite" restart="never" nodeType="tmRoot"/>
-      </p:par>
-    </p:tnLst>
-  </p:timing>
 </p:sldLayout>
 </file>
 
@@ -2531,7 +2476,7 @@
           </a:lstStyle>
           <a:p>
             <a:r>
-              <a:rPr lang="en-US" smtClean="0"/>
+              <a:rPr lang="en-US"/>
               <a:t>Click to edit Master title style</a:t>
             </a:r>
             <a:endParaRPr lang="en-US" dirty="0"/>
@@ -2620,7 +2565,7 @@
           <a:p>
             <a:pPr lvl="0"/>
             <a:r>
-              <a:rPr lang="en-US" smtClean="0"/>
+              <a:rPr lang="en-US"/>
               <a:t>Click to edit Master text styles</a:t>
             </a:r>
           </a:p>
@@ -2676,35 +2621,35 @@
           <a:p>
             <a:pPr lvl="0"/>
             <a:r>
-              <a:rPr lang="en-US" smtClean="0"/>
+              <a:rPr lang="en-US"/>
               <a:t>Click to edit Master text styles</a:t>
             </a:r>
           </a:p>
           <a:p>
             <a:pPr lvl="1"/>
             <a:r>
-              <a:rPr lang="en-US" smtClean="0"/>
+              <a:rPr lang="en-US"/>
               <a:t>Second level</a:t>
             </a:r>
           </a:p>
           <a:p>
             <a:pPr lvl="2"/>
             <a:r>
-              <a:rPr lang="en-US" smtClean="0"/>
+              <a:rPr lang="en-US"/>
               <a:t>Third level</a:t>
             </a:r>
           </a:p>
           <a:p>
             <a:pPr lvl="3"/>
             <a:r>
-              <a:rPr lang="en-US" smtClean="0"/>
+              <a:rPr lang="en-US"/>
               <a:t>Fourth level</a:t>
             </a:r>
           </a:p>
           <a:p>
             <a:pPr lvl="4"/>
             <a:r>
-              <a:rPr lang="en-US" smtClean="0"/>
+              <a:rPr lang="en-US"/>
               <a:t>Fifth level</a:t>
             </a:r>
             <a:endParaRPr lang="en-US" dirty="0"/>
@@ -2796,7 +2741,7 @@
           <a:p>
             <a:pPr lvl="0"/>
             <a:r>
-              <a:rPr lang="en-US" smtClean="0"/>
+              <a:rPr lang="en-US"/>
               <a:t>Click to edit Master text styles</a:t>
             </a:r>
           </a:p>
@@ -2852,35 +2797,35 @@
           <a:p>
             <a:pPr lvl="0"/>
             <a:r>
-              <a:rPr lang="en-US" smtClean="0"/>
+              <a:rPr lang="en-US"/>
               <a:t>Click to edit Master text styles</a:t>
             </a:r>
           </a:p>
           <a:p>
             <a:pPr lvl="1"/>
             <a:r>
-              <a:rPr lang="en-US" smtClean="0"/>
+              <a:rPr lang="en-US"/>
               <a:t>Second level</a:t>
             </a:r>
           </a:p>
           <a:p>
             <a:pPr lvl="2"/>
             <a:r>
-              <a:rPr lang="en-US" smtClean="0"/>
+              <a:rPr lang="en-US"/>
               <a:t>Third level</a:t>
             </a:r>
           </a:p>
           <a:p>
             <a:pPr lvl="3"/>
             <a:r>
-              <a:rPr lang="en-US" smtClean="0"/>
+              <a:rPr lang="en-US"/>
               <a:t>Fourth level</a:t>
             </a:r>
           </a:p>
           <a:p>
             <a:pPr lvl="4"/>
             <a:r>
-              <a:rPr lang="en-US" smtClean="0"/>
+              <a:rPr lang="en-US"/>
               <a:t>Fifth level</a:t>
             </a:r>
             <a:endParaRPr lang="en-US" dirty="0"/>
@@ -2904,7 +2849,7 @@
           <a:p>
             <a:fld id="{EDF33987-6305-4E2A-BF18-EF013ECE927B}" type="datetimeFigureOut">
               <a:rPr lang="en-US" smtClean="0"/>
-              <a:t>11/12/2018</a:t>
+              <a:t>11/6/2019</a:t>
             </a:fld>
             <a:endParaRPr lang="en-US"/>
           </a:p>
@@ -3009,13 +2954,6 @@
       </p:transition>
     </mc:Fallback>
   </mc:AlternateContent>
-  <p:timing>
-    <p:tnLst>
-      <p:par>
-        <p:cTn id="1" dur="indefinite" restart="never" nodeType="tmRoot"/>
-      </p:par>
-    </p:tnLst>
-  </p:timing>
 </p:sldLayout>
 </file>
 
@@ -3052,10 +2990,9 @@
           <a:lstStyle/>
           <a:p>
             <a:r>
-              <a:rPr lang="en-US" smtClean="0"/>
+              <a:rPr lang="en-US"/>
               <a:t>Click to edit Master title style</a:t>
             </a:r>
-            <a:endParaRPr lang="en-US"/>
           </a:p>
         </p:txBody>
       </p:sp>
@@ -3076,7 +3013,7 @@
           <a:p>
             <a:fld id="{EDF33987-6305-4E2A-BF18-EF013ECE927B}" type="datetimeFigureOut">
               <a:rPr lang="en-US" smtClean="0"/>
-              <a:t>11/12/2018</a:t>
+              <a:t>11/6/2019</a:t>
             </a:fld>
             <a:endParaRPr lang="en-US"/>
           </a:p>
@@ -3146,13 +3083,6 @@
       </p:transition>
     </mc:Fallback>
   </mc:AlternateContent>
-  <p:timing>
-    <p:tnLst>
-      <p:par>
-        <p:cTn id="1" dur="indefinite" restart="never" nodeType="tmRoot"/>
-      </p:par>
-    </p:tnLst>
-  </p:timing>
 </p:sldLayout>
 </file>
 
@@ -3190,7 +3120,7 @@
           <a:p>
             <a:fld id="{EDF33987-6305-4E2A-BF18-EF013ECE927B}" type="datetimeFigureOut">
               <a:rPr lang="en-US" smtClean="0"/>
-              <a:t>11/12/2018</a:t>
+              <a:t>11/6/2019</a:t>
             </a:fld>
             <a:endParaRPr lang="en-US"/>
           </a:p>
@@ -3260,13 +3190,6 @@
       </p:transition>
     </mc:Fallback>
   </mc:AlternateContent>
-  <p:timing>
-    <p:tnLst>
-      <p:par>
-        <p:cTn id="1" dur="indefinite" restart="never" nodeType="tmRoot"/>
-      </p:par>
-    </p:tnLst>
-  </p:timing>
 </p:sldLayout>
 </file>
 
@@ -3314,7 +3237,7 @@
           </a:lstStyle>
           <a:p>
             <a:r>
-              <a:rPr lang="en-US" smtClean="0"/>
+              <a:rPr lang="en-US"/>
               <a:t>Click to edit Master title style</a:t>
             </a:r>
             <a:endParaRPr lang="en-US" dirty="0"/>
@@ -3371,35 +3294,35 @@
           <a:p>
             <a:pPr lvl="0"/>
             <a:r>
-              <a:rPr lang="en-US" smtClean="0"/>
+              <a:rPr lang="en-US"/>
               <a:t>Click to edit Master text styles</a:t>
             </a:r>
           </a:p>
           <a:p>
             <a:pPr lvl="1"/>
             <a:r>
-              <a:rPr lang="en-US" smtClean="0"/>
+              <a:rPr lang="en-US"/>
               <a:t>Second level</a:t>
             </a:r>
           </a:p>
           <a:p>
             <a:pPr lvl="2"/>
             <a:r>
-              <a:rPr lang="en-US" smtClean="0"/>
+              <a:rPr lang="en-US"/>
               <a:t>Third level</a:t>
             </a:r>
           </a:p>
           <a:p>
             <a:pPr lvl="3"/>
             <a:r>
-              <a:rPr lang="en-US" smtClean="0"/>
+              <a:rPr lang="en-US"/>
               <a:t>Fourth level</a:t>
             </a:r>
           </a:p>
           <a:p>
             <a:pPr lvl="4"/>
             <a:r>
-              <a:rPr lang="en-US" smtClean="0"/>
+              <a:rPr lang="en-US"/>
               <a:t>Fifth level</a:t>
             </a:r>
             <a:endParaRPr lang="en-US" dirty="0"/>
@@ -3465,7 +3388,7 @@
           <a:p>
             <a:pPr lvl="0"/>
             <a:r>
-              <a:rPr lang="en-US" smtClean="0"/>
+              <a:rPr lang="en-US"/>
               <a:t>Click to edit Master text styles</a:t>
             </a:r>
           </a:p>
@@ -3488,7 +3411,7 @@
           <a:p>
             <a:fld id="{EDF33987-6305-4E2A-BF18-EF013ECE927B}" type="datetimeFigureOut">
               <a:rPr lang="en-US" smtClean="0"/>
-              <a:t>11/12/2018</a:t>
+              <a:t>11/6/2019</a:t>
             </a:fld>
             <a:endParaRPr lang="en-US"/>
           </a:p>
@@ -3593,13 +3516,6 @@
       </p:transition>
     </mc:Fallback>
   </mc:AlternateContent>
-  <p:timing>
-    <p:tnLst>
-      <p:par>
-        <p:cTn id="1" dur="indefinite" restart="never" nodeType="tmRoot"/>
-      </p:par>
-    </p:tnLst>
-  </p:timing>
 </p:sldLayout>
 </file>
 
@@ -3647,7 +3563,7 @@
           </a:lstStyle>
           <a:p>
             <a:r>
-              <a:rPr lang="en-US" smtClean="0"/>
+              <a:rPr lang="en-US"/>
               <a:t>Click to edit Master title style</a:t>
             </a:r>
             <a:endParaRPr lang="en-US" dirty="0"/>
@@ -3728,7 +3644,7 @@
           </a:lstStyle>
           <a:p>
             <a:r>
-              <a:rPr lang="en-US" smtClean="0"/>
+              <a:rPr lang="en-US"/>
               <a:t>Click icon to add picture</a:t>
             </a:r>
             <a:endParaRPr lang="en-US" dirty="0"/>
@@ -3794,7 +3710,7 @@
           <a:p>
             <a:pPr lvl="0"/>
             <a:r>
-              <a:rPr lang="en-US" smtClean="0"/>
+              <a:rPr lang="en-US"/>
               <a:t>Click to edit Master text styles</a:t>
             </a:r>
           </a:p>
@@ -3817,7 +3733,7 @@
           <a:p>
             <a:fld id="{EDF33987-6305-4E2A-BF18-EF013ECE927B}" type="datetimeFigureOut">
               <a:rPr lang="en-US" smtClean="0"/>
-              <a:t>11/12/2018</a:t>
+              <a:t>11/6/2019</a:t>
             </a:fld>
             <a:endParaRPr lang="en-US"/>
           </a:p>
@@ -3887,13 +3803,6 @@
       </p:transition>
     </mc:Fallback>
   </mc:AlternateContent>
-  <p:timing>
-    <p:tnLst>
-      <p:par>
-        <p:cTn id="1" dur="indefinite" restart="never" nodeType="tmRoot"/>
-      </p:par>
-    </p:tnLst>
-  </p:timing>
 </p:sldLayout>
 </file>
 
@@ -3991,7 +3900,7 @@
           <a:lstStyle/>
           <a:p>
             <a:r>
-              <a:rPr lang="en-US" smtClean="0"/>
+              <a:rPr lang="en-US"/>
               <a:t>Click to edit Master title style</a:t>
             </a:r>
             <a:endParaRPr lang="en-US" dirty="0"/>
@@ -4025,35 +3934,35 @@
           <a:p>
             <a:pPr lvl="0"/>
             <a:r>
-              <a:rPr lang="en-US" smtClean="0"/>
+              <a:rPr lang="en-US"/>
               <a:t>Edit Master text styles</a:t>
             </a:r>
           </a:p>
           <a:p>
             <a:pPr lvl="1"/>
             <a:r>
-              <a:rPr lang="en-US" smtClean="0"/>
+              <a:rPr lang="en-US"/>
               <a:t>Second level</a:t>
             </a:r>
           </a:p>
           <a:p>
             <a:pPr lvl="2"/>
             <a:r>
-              <a:rPr lang="en-US" smtClean="0"/>
+              <a:rPr lang="en-US"/>
               <a:t>Third level</a:t>
             </a:r>
           </a:p>
           <a:p>
             <a:pPr lvl="3"/>
             <a:r>
-              <a:rPr lang="en-US" smtClean="0"/>
+              <a:rPr lang="en-US"/>
               <a:t>Fourth level</a:t>
             </a:r>
           </a:p>
           <a:p>
             <a:pPr lvl="4"/>
             <a:r>
-              <a:rPr lang="en-US" smtClean="0"/>
+              <a:rPr lang="en-US"/>
               <a:t>Fifth level</a:t>
             </a:r>
             <a:endParaRPr lang="en-US" dirty="0"/>
@@ -4140,7 +4049,7 @@
             <a:fld id="{EDF33987-6305-4E2A-BF18-EF013ECE927B}" type="datetimeFigureOut">
               <a:rPr lang="en-US" smtClean="0"/>
               <a:pPr/>
-              <a:t>11/12/2018</a:t>
+              <a:t>11/6/2019</a:t>
             </a:fld>
             <a:endParaRPr lang="en-US"/>
           </a:p>
@@ -4255,13 +4164,6 @@
       </p:transition>
     </mc:Fallback>
   </mc:AlternateContent>
-  <p:timing>
-    <p:tnLst>
-      <p:par>
-        <p:cTn id="1" dur="indefinite" restart="never" nodeType="tmRoot"/>
-      </p:par>
-    </p:tnLst>
-  </p:timing>
   <p:txStyles>
     <p:titleStyle>
       <a:lvl1pPr algn="l" defTabSz="914126" rtl="0" eaLnBrk="1" latinLnBrk="0" hangingPunct="1">
@@ -4543,7 +4445,7 @@
       </a:lvl9pPr>
     </p:otherStyle>
   </p:txStyles>
-  <p:extLst mod="1">
+  <p:extLst>
     <p:ext uri="{27BBF7A9-308A-43DC-89C8-2F10F3537804}">
       <p15:sldGuideLst xmlns:p15="http://schemas.microsoft.com/office/powerpoint/2012/main">
         <p15:guide id="1" orient="horz" pos="2160" userDrawn="1">
@@ -4595,36 +4497,32 @@
           <a:lstStyle/>
           <a:p>
             <a:r>
-              <a:rPr lang="en-US" dirty="0" err="1" smtClean="0"/>
+              <a:rPr lang="en-US" dirty="0" err="1"/>
               <a:t>Arcpy</a:t>
             </a:r>
             <a:r>
-              <a:rPr lang="en-US" dirty="0" smtClean="0"/>
+              <a:rPr lang="en-US" dirty="0"/>
               <a:t> Toolbox</a:t>
             </a:r>
+          </a:p>
+        </p:txBody>
+      </p:sp>
+      <p:sp>
+        <p:nvSpPr>
+          <p:cNvPr id="3" name="Subtitle 2"/>
+          <p:cNvSpPr>
+            <a:spLocks noGrp="1"/>
+          </p:cNvSpPr>
+          <p:nvPr>
+            <p:ph type="subTitle" idx="1"/>
+          </p:nvPr>
+        </p:nvSpPr>
+        <p:spPr/>
+        <p:txBody>
+          <a:bodyPr/>
+          <a:lstStyle/>
+          <a:p>
             <a:endParaRPr lang="en-US" dirty="0"/>
-          </a:p>
-        </p:txBody>
-      </p:sp>
-      <p:sp>
-        <p:nvSpPr>
-          <p:cNvPr id="3" name="Subtitle 2"/>
-          <p:cNvSpPr>
-            <a:spLocks noGrp="1"/>
-          </p:cNvSpPr>
-          <p:nvPr>
-            <p:ph type="subTitle" idx="1"/>
-          </p:nvPr>
-        </p:nvSpPr>
-        <p:spPr/>
-        <p:txBody>
-          <a:bodyPr/>
-          <a:lstStyle/>
-          <a:p>
-            <a:r>
-              <a:rPr lang="en-US" dirty="0" smtClean="0"/>
-              <a:t>Subtitle</a:t>
-            </a:r>
           </a:p>
         </p:txBody>
       </p:sp>
@@ -4638,25 +4536,14 @@
   <p:clrMapOvr>
     <a:masterClrMapping/>
   </p:clrMapOvr>
-  <mc:AlternateContent xmlns:mc="http://schemas.openxmlformats.org/markup-compatibility/2006" xmlns:p14="http://schemas.microsoft.com/office/powerpoint/2010/main">
-    <mc:Choice Requires="p14">
-      <p:transition spd="med" p14:dur="700">
-        <p:fade/>
-      </p:transition>
+  <mc:AlternateContent xmlns:mc="http://schemas.openxmlformats.org/markup-compatibility/2006">
+    <mc:Choice xmlns:p14="http://schemas.microsoft.com/office/powerpoint/2010/main" Requires="p14">
+      <p:transition p14:dur="0"/>
     </mc:Choice>
-    <mc:Fallback xmlns="">
-      <p:transition spd="med">
-        <p:fade/>
-      </p:transition>
+    <mc:Fallback>
+      <p:transition/>
     </mc:Fallback>
   </mc:AlternateContent>
-  <p:timing>
-    <p:tnLst>
-      <p:par>
-        <p:cTn id="1" dur="indefinite" restart="never" nodeType="tmRoot"/>
-      </p:par>
-    </p:tnLst>
-  </p:timing>
 </p:sld>
 </file>
 
@@ -4729,94 +4616,93 @@
           <a:lstStyle/>
           <a:p>
             <a:r>
-              <a:rPr lang="en-US" dirty="0" smtClean="0"/>
+              <a:rPr lang="en-US" dirty="0"/>
               <a:t>__</a:t>
             </a:r>
             <a:r>
-              <a:rPr lang="en-US" dirty="0" err="1" smtClean="0"/>
+              <a:rPr lang="en-US" dirty="0" err="1"/>
               <a:t>init</a:t>
             </a:r>
             <a:r>
-              <a:rPr lang="en-US" dirty="0" smtClean="0"/>
+              <a:rPr lang="en-US" dirty="0"/>
               <a:t>__</a:t>
             </a:r>
           </a:p>
           <a:p>
             <a:pPr lvl="1"/>
             <a:r>
-              <a:rPr lang="en-US" dirty="0" smtClean="0"/>
+              <a:rPr lang="en-US" dirty="0"/>
               <a:t>Initiates the class</a:t>
             </a:r>
           </a:p>
           <a:p>
             <a:r>
-              <a:rPr lang="en-US" dirty="0" err="1" smtClean="0"/>
+              <a:rPr lang="en-US" dirty="0" err="1"/>
               <a:t>getParameterInfo</a:t>
             </a:r>
-            <a:endParaRPr lang="en-US" dirty="0" smtClean="0"/>
+            <a:endParaRPr lang="en-US" dirty="0"/>
           </a:p>
           <a:p>
             <a:pPr lvl="1"/>
             <a:r>
-              <a:rPr lang="en-US" dirty="0" smtClean="0"/>
+              <a:rPr lang="en-US" dirty="0"/>
               <a:t>Define the number of parameters and type</a:t>
             </a:r>
           </a:p>
           <a:p>
             <a:r>
-              <a:rPr lang="en-US" dirty="0" err="1" smtClean="0"/>
+              <a:rPr lang="en-US" dirty="0" err="1"/>
               <a:t>isLicensed</a:t>
             </a:r>
-            <a:endParaRPr lang="en-US" dirty="0" smtClean="0"/>
+            <a:endParaRPr lang="en-US" dirty="0"/>
           </a:p>
           <a:p>
             <a:pPr lvl="1"/>
             <a:r>
-              <a:rPr lang="en-US" dirty="0" smtClean="0"/>
+              <a:rPr lang="en-US" dirty="0"/>
               <a:t>Ignore</a:t>
             </a:r>
           </a:p>
           <a:p>
             <a:r>
-              <a:rPr lang="en-US" dirty="0" err="1" smtClean="0"/>
+              <a:rPr lang="en-US" dirty="0" err="1"/>
               <a:t>updateParameters</a:t>
             </a:r>
-            <a:endParaRPr lang="en-US" dirty="0" smtClean="0"/>
+            <a:endParaRPr lang="en-US" dirty="0"/>
           </a:p>
           <a:p>
             <a:pPr lvl="1"/>
             <a:r>
-              <a:rPr lang="en-US" dirty="0" smtClean="0"/>
+              <a:rPr lang="en-US" dirty="0"/>
               <a:t>Validate the parameter input</a:t>
             </a:r>
           </a:p>
           <a:p>
             <a:r>
-              <a:rPr lang="en-US" dirty="0" err="1" smtClean="0"/>
+              <a:rPr lang="en-US" dirty="0" err="1"/>
               <a:t>updateMessages</a:t>
             </a:r>
-            <a:endParaRPr lang="en-US" dirty="0" smtClean="0"/>
+            <a:endParaRPr lang="en-US" dirty="0"/>
           </a:p>
           <a:p>
             <a:pPr lvl="1"/>
             <a:r>
-              <a:rPr lang="en-US" dirty="0" smtClean="0"/>
+              <a:rPr lang="en-US" dirty="0"/>
               <a:t>Responses sent to the user to verify values are ok</a:t>
             </a:r>
           </a:p>
           <a:p>
             <a:r>
-              <a:rPr lang="en-US" dirty="0" smtClean="0"/>
+              <a:rPr lang="en-US" dirty="0"/>
               <a:t>execute</a:t>
             </a:r>
           </a:p>
           <a:p>
             <a:pPr lvl="1"/>
             <a:r>
-              <a:rPr lang="en-US" dirty="0" smtClean="0"/>
+              <a:rPr lang="en-US" dirty="0"/>
               <a:t>Run the code you have written, main()</a:t>
             </a:r>
-            <a:endParaRPr lang="en-US" dirty="0"/>
           </a:p>
         </p:txBody>
       </p:sp>
@@ -4830,16 +4716,12 @@
   <p:clrMapOvr>
     <a:masterClrMapping/>
   </p:clrMapOvr>
-  <mc:AlternateContent xmlns:mc="http://schemas.openxmlformats.org/markup-compatibility/2006" xmlns:p14="http://schemas.microsoft.com/office/powerpoint/2010/main">
-    <mc:Choice Requires="p14">
-      <p:transition spd="med" p14:dur="700">
-        <p:fade/>
-      </p:transition>
+  <mc:AlternateContent xmlns:mc="http://schemas.openxmlformats.org/markup-compatibility/2006">
+    <mc:Choice xmlns:p14="http://schemas.microsoft.com/office/powerpoint/2010/main" Requires="p14">
+      <p:transition p14:dur="0"/>
     </mc:Choice>
-    <mc:Fallback xmlns="">
-      <p:transition spd="med">
-        <p:fade/>
-      </p:transition>
+    <mc:Fallback>
+      <p:transition/>
     </mc:Fallback>
   </mc:AlternateContent>
 </p:sld>
@@ -4878,18 +4760,17 @@
           <a:lstStyle/>
           <a:p>
             <a:r>
-              <a:rPr lang="en-US" dirty="0" smtClean="0"/>
+              <a:rPr lang="en-US" dirty="0"/>
               <a:t>Add an </a:t>
             </a:r>
             <a:r>
-              <a:rPr lang="en-US" dirty="0" err="1" smtClean="0"/>
+              <a:rPr lang="en-US" dirty="0" err="1"/>
               <a:t>ArcPY</a:t>
             </a:r>
             <a:r>
-              <a:rPr lang="en-US" dirty="0" smtClean="0"/>
+              <a:rPr lang="en-US" dirty="0"/>
               <a:t> parameter</a:t>
             </a:r>
-            <a:endParaRPr lang="en-US" dirty="0"/>
           </a:p>
         </p:txBody>
       </p:sp>
@@ -4940,7 +4821,7 @@
           <a:lstStyle/>
           <a:p>
             <a:r>
-              <a:rPr lang="en-US" dirty="0" smtClean="0"/>
+              <a:rPr lang="en-US" dirty="0"/>
               <a:t>All of these parameters have defaults</a:t>
             </a:r>
           </a:p>
@@ -4949,17 +4830,17 @@
           </a:p>
           <a:p>
             <a:r>
-              <a:rPr lang="en-US" dirty="0" err="1" smtClean="0"/>
+              <a:rPr lang="en-US" dirty="0" err="1"/>
               <a:t>displayName</a:t>
             </a:r>
             <a:r>
-              <a:rPr lang="en-US" dirty="0" smtClean="0"/>
+              <a:rPr lang="en-US" dirty="0"/>
               <a:t> = provide a useful name</a:t>
             </a:r>
           </a:p>
           <a:p>
             <a:r>
-              <a:rPr lang="en-US" dirty="0" smtClean="0"/>
+              <a:rPr lang="en-US" dirty="0"/>
               <a:t>name = unique name</a:t>
             </a:r>
           </a:p>
@@ -4972,38 +4853,28 @@
               <a:rPr lang="en-US" dirty="0">
                 <a:hlinkClick r:id="rId3"/>
               </a:rPr>
-              <a:t>http://</a:t>
-            </a:r>
-            <a:r>
-              <a:rPr lang="en-US" dirty="0" smtClean="0">
-                <a:hlinkClick r:id="rId3"/>
-              </a:rPr>
-              <a:t>pro.arcgis.com/en/pro-app/arcpy/geoprocessing_and_python/defining-parameter-data-types-in-a-python-toolbox.htm</a:t>
-            </a:r>
-            <a:endParaRPr lang="en-US" dirty="0" smtClean="0"/>
-          </a:p>
-          <a:p>
-            <a:r>
-              <a:rPr lang="en-US" dirty="0" err="1" smtClean="0"/>
+              <a:t>http://pro.arcgis.com/en/pro-app/arcpy/geoprocessing_and_python/defining-parameter-data-types-in-a-python-toolbox.htm</a:t>
+            </a:r>
+            <a:endParaRPr lang="en-US" dirty="0"/>
+          </a:p>
+          <a:p>
+            <a:r>
+              <a:rPr lang="en-US" dirty="0" err="1"/>
               <a:t>parameterType</a:t>
             </a:r>
             <a:r>
-              <a:rPr lang="en-US" dirty="0" smtClean="0"/>
+              <a:rPr lang="en-US" dirty="0"/>
               <a:t>=“Required”/”Optional”</a:t>
             </a:r>
           </a:p>
           <a:p>
             <a:r>
-              <a:rPr lang="en-US" dirty="0" smtClean="0"/>
+              <a:rPr lang="en-US" dirty="0"/>
               <a:t>direction= </a:t>
             </a:r>
             <a:r>
               <a:rPr lang="en-US" dirty="0" err="1"/>
-              <a:t>I</a:t>
-            </a:r>
-            <a:r>
-              <a:rPr lang="en-US" dirty="0" err="1" smtClean="0"/>
-              <a:t>nput/Output</a:t>
+              <a:t>Input/Output</a:t>
             </a:r>
             <a:endParaRPr lang="en-US" dirty="0"/>
           </a:p>
@@ -5019,16 +4890,12 @@
   <p:clrMapOvr>
     <a:masterClrMapping/>
   </p:clrMapOvr>
-  <mc:AlternateContent xmlns:mc="http://schemas.openxmlformats.org/markup-compatibility/2006" xmlns:p14="http://schemas.microsoft.com/office/powerpoint/2010/main">
-    <mc:Choice Requires="p14">
-      <p:transition spd="med" p14:dur="700">
-        <p:fade/>
-      </p:transition>
+  <mc:AlternateContent xmlns:mc="http://schemas.openxmlformats.org/markup-compatibility/2006">
+    <mc:Choice xmlns:p14="http://schemas.microsoft.com/office/powerpoint/2010/main" Requires="p14">
+      <p:transition p14:dur="0"/>
     </mc:Choice>
-    <mc:Fallback xmlns="">
-      <p:transition spd="med">
-        <p:fade/>
-      </p:transition>
+    <mc:Fallback>
+      <p:transition/>
     </mc:Fallback>
   </mc:AlternateContent>
 </p:sld>
@@ -5067,10 +4934,9 @@
           <a:lstStyle/>
           <a:p>
             <a:r>
-              <a:rPr lang="en-US" dirty="0" smtClean="0"/>
+              <a:rPr lang="en-US" dirty="0"/>
               <a:t>Code it</a:t>
             </a:r>
-            <a:endParaRPr lang="en-US" dirty="0"/>
           </a:p>
         </p:txBody>
       </p:sp>
@@ -5090,7 +4956,7 @@
           <a:lstStyle/>
           <a:p>
             <a:r>
-              <a:rPr lang="en-US" dirty="0" smtClean="0"/>
+              <a:rPr lang="en-US" dirty="0"/>
               <a:t>Add a parameter</a:t>
             </a:r>
           </a:p>
@@ -5102,11 +4968,11 @@
               <a:buNone/>
             </a:pPr>
             <a:r>
-              <a:rPr lang="en-US" dirty="0" err="1" smtClean="0"/>
+              <a:rPr lang="en-US" dirty="0" err="1"/>
               <a:t>def</a:t>
             </a:r>
             <a:r>
-              <a:rPr lang="en-US" dirty="0" smtClean="0"/>
+              <a:rPr lang="en-US" dirty="0"/>
               <a:t> </a:t>
             </a:r>
             <a:r>
@@ -5115,25 +4981,16 @@
             </a:r>
             <a:r>
               <a:rPr lang="en-US" dirty="0"/>
-              <a:t>(self</a:t>
-            </a:r>
-            <a:r>
-              <a:rPr lang="en-US" dirty="0" smtClean="0"/>
-              <a:t>):</a:t>
-            </a:r>
-            <a:endParaRPr lang="en-US" dirty="0"/>
+              <a:t>(self):</a:t>
+            </a:r>
           </a:p>
           <a:p>
             <a:pPr marL="274320" lvl="1" indent="0">
               <a:buNone/>
             </a:pPr>
             <a:r>
-              <a:rPr lang="en-US" dirty="0" smtClean="0"/>
-              <a:t>param1</a:t>
-            </a:r>
-            <a:r>
               <a:rPr lang="en-US" dirty="0"/>
-              <a:t>= </a:t>
+              <a:t>param1= </a:t>
             </a:r>
             <a:r>
               <a:rPr lang="en-US" dirty="0" err="1"/>
@@ -5173,40 +5030,36 @@
             </a:r>
             <a:r>
               <a:rPr lang="en-US" dirty="0"/>
-              <a:t>="Required", direction="Input</a:t>
-            </a:r>
-            <a:r>
-              <a:rPr lang="en-US" dirty="0" smtClean="0"/>
-              <a:t>")</a:t>
+              <a:t>="Required", direction="Input")</a:t>
             </a:r>
           </a:p>
           <a:p>
             <a:pPr marL="274320" lvl="1" indent="0">
               <a:buNone/>
             </a:pPr>
-            <a:endParaRPr lang="en-US" dirty="0" smtClean="0"/>
+            <a:endParaRPr lang="en-US" dirty="0"/>
           </a:p>
           <a:p>
             <a:pPr marL="274320" lvl="1" indent="0">
               <a:buNone/>
             </a:pPr>
             <a:r>
-              <a:rPr lang="en-US" dirty="0" smtClean="0"/>
+              <a:rPr lang="en-US" dirty="0"/>
               <a:t>#Return a list!! That is what </a:t>
             </a:r>
             <a:r>
-              <a:rPr lang="en-US" dirty="0" err="1" smtClean="0"/>
+              <a:rPr lang="en-US" dirty="0" err="1"/>
               <a:t>Arcpy</a:t>
             </a:r>
             <a:r>
-              <a:rPr lang="en-US" dirty="0" smtClean="0"/>
+              <a:rPr lang="en-US" dirty="0"/>
               <a:t> UI is </a:t>
             </a:r>
             <a:r>
-              <a:rPr lang="en-US" dirty="0" err="1" smtClean="0"/>
+              <a:rPr lang="en-US" dirty="0" err="1"/>
               <a:t>exepcting</a:t>
             </a:r>
-            <a:endParaRPr lang="en-US" dirty="0" smtClean="0"/>
+            <a:endParaRPr lang="en-US" dirty="0"/>
           </a:p>
           <a:p>
             <a:pPr marL="274320" lvl="1" indent="0">
@@ -5214,13 +5067,8 @@
             </a:pPr>
             <a:r>
               <a:rPr lang="en-US" dirty="0"/>
-              <a:t>r</a:t>
-            </a:r>
-            <a:r>
-              <a:rPr lang="en-US" dirty="0" smtClean="0"/>
-              <a:t>eturn[param1]</a:t>
-            </a:r>
-            <a:endParaRPr lang="en-US" dirty="0"/>
+              <a:t>return[param1]</a:t>
+            </a:r>
           </a:p>
         </p:txBody>
       </p:sp>
@@ -5234,16 +5082,12 @@
   <p:clrMapOvr>
     <a:masterClrMapping/>
   </p:clrMapOvr>
-  <mc:AlternateContent xmlns:mc="http://schemas.openxmlformats.org/markup-compatibility/2006" xmlns:p14="http://schemas.microsoft.com/office/powerpoint/2010/main">
-    <mc:Choice Requires="p14">
-      <p:transition spd="med" p14:dur="700">
-        <p:fade/>
-      </p:transition>
+  <mc:AlternateContent xmlns:mc="http://schemas.openxmlformats.org/markup-compatibility/2006">
+    <mc:Choice xmlns:p14="http://schemas.microsoft.com/office/powerpoint/2010/main" Requires="p14">
+      <p:transition p14:dur="0"/>
     </mc:Choice>
-    <mc:Fallback xmlns="">
-      <p:transition spd="med">
-        <p:fade/>
-      </p:transition>
+    <mc:Fallback>
+      <p:transition/>
     </mc:Fallback>
   </mc:AlternateContent>
 </p:sld>
@@ -6535,10 +6379,9 @@
           <a:lstStyle/>
           <a:p>
             <a:r>
-              <a:rPr lang="en-US" sz="3200" dirty="0" smtClean="0"/>
+              <a:rPr lang="en-US" sz="3200" dirty="0"/>
               <a:t>Parameter object methods</a:t>
             </a:r>
-            <a:endParaRPr lang="en-US" sz="3200" dirty="0"/>
           </a:p>
         </p:txBody>
       </p:sp>
@@ -6552,16 +6395,12 @@
   <p:clrMapOvr>
     <a:masterClrMapping/>
   </p:clrMapOvr>
-  <mc:AlternateContent xmlns:mc="http://schemas.openxmlformats.org/markup-compatibility/2006" xmlns:p14="http://schemas.microsoft.com/office/powerpoint/2010/main">
-    <mc:Choice Requires="p14">
-      <p:transition spd="med" p14:dur="700">
-        <p:fade/>
-      </p:transition>
+  <mc:AlternateContent xmlns:mc="http://schemas.openxmlformats.org/markup-compatibility/2006">
+    <mc:Choice xmlns:p14="http://schemas.microsoft.com/office/powerpoint/2010/main" Requires="p14">
+      <p:transition p14:dur="0"/>
     </mc:Choice>
-    <mc:Fallback xmlns="">
-      <p:transition spd="med">
-        <p:fade/>
-      </p:transition>
+    <mc:Fallback>
+      <p:transition/>
     </mc:Fallback>
   </mc:AlternateContent>
 </p:sld>
@@ -6600,14 +6439,13 @@
           <a:lstStyle/>
           <a:p>
             <a:r>
-              <a:rPr lang="en-US" dirty="0" err="1" smtClean="0"/>
+              <a:rPr lang="en-US" dirty="0" err="1"/>
               <a:t>Arcpy</a:t>
             </a:r>
             <a:r>
-              <a:rPr lang="en-US" dirty="0" smtClean="0"/>
+              <a:rPr lang="en-US" dirty="0"/>
               <a:t> Field Types</a:t>
             </a:r>
-            <a:endParaRPr lang="en-US" dirty="0"/>
           </a:p>
         </p:txBody>
       </p:sp>
@@ -6643,16 +6481,12 @@
   <p:clrMapOvr>
     <a:masterClrMapping/>
   </p:clrMapOvr>
-  <mc:AlternateContent xmlns:mc="http://schemas.openxmlformats.org/markup-compatibility/2006" xmlns:p14="http://schemas.microsoft.com/office/powerpoint/2010/main">
-    <mc:Choice Requires="p14">
-      <p:transition spd="med" p14:dur="700">
-        <p:fade/>
-      </p:transition>
+  <mc:AlternateContent xmlns:mc="http://schemas.openxmlformats.org/markup-compatibility/2006">
+    <mc:Choice xmlns:p14="http://schemas.microsoft.com/office/powerpoint/2010/main" Requires="p14">
+      <p:transition p14:dur="0"/>
     </mc:Choice>
-    <mc:Fallback xmlns="">
-      <p:transition spd="med">
-        <p:fade/>
-      </p:transition>
+    <mc:Fallback>
+      <p:transition/>
     </mc:Fallback>
   </mc:AlternateContent>
 </p:sld>
@@ -6691,56 +6525,54 @@
           <a:lstStyle/>
           <a:p>
             <a:r>
-              <a:rPr lang="en-US" dirty="0" smtClean="0"/>
+              <a:rPr lang="en-US" dirty="0"/>
               <a:t>Code it</a:t>
             </a:r>
+          </a:p>
+        </p:txBody>
+      </p:sp>
+      <p:sp>
+        <p:nvSpPr>
+          <p:cNvPr id="3" name="Content Placeholder 2"/>
+          <p:cNvSpPr>
+            <a:spLocks noGrp="1"/>
+          </p:cNvSpPr>
+          <p:nvPr>
+            <p:ph idx="1"/>
+          </p:nvPr>
+        </p:nvSpPr>
+        <p:spPr/>
+        <p:txBody>
+          <a:bodyPr/>
+          <a:lstStyle/>
+          <a:p>
+            <a:r>
+              <a:rPr lang="en-US" dirty="0"/>
+              <a:t>Add a second parameter</a:t>
+            </a:r>
+          </a:p>
+          <a:p>
             <a:endParaRPr lang="en-US" dirty="0"/>
           </a:p>
-        </p:txBody>
-      </p:sp>
-      <p:sp>
-        <p:nvSpPr>
-          <p:cNvPr id="3" name="Content Placeholder 2"/>
-          <p:cNvSpPr>
-            <a:spLocks noGrp="1"/>
-          </p:cNvSpPr>
-          <p:nvPr>
-            <p:ph idx="1"/>
-          </p:nvPr>
-        </p:nvSpPr>
-        <p:spPr/>
-        <p:txBody>
-          <a:bodyPr/>
-          <a:lstStyle/>
-          <a:p>
-            <a:r>
-              <a:rPr lang="en-US" dirty="0" smtClean="0"/>
-              <a:t>Add a second parameter</a:t>
-            </a:r>
-          </a:p>
-          <a:p>
-            <a:endParaRPr lang="en-US" dirty="0" smtClean="0"/>
-          </a:p>
-          <a:p>
-            <a:r>
-              <a:rPr lang="en-US" dirty="0" smtClean="0"/>
+          <a:p>
+            <a:r>
+              <a:rPr lang="en-US" dirty="0"/>
               <a:t>Display Name = Buffer Distance</a:t>
             </a:r>
-            <a:endParaRPr lang="en-US" dirty="0"/>
-          </a:p>
-          <a:p>
-            <a:r>
-              <a:rPr lang="en-US" dirty="0" smtClean="0"/>
+          </a:p>
+          <a:p>
+            <a:r>
+              <a:rPr lang="en-US" dirty="0"/>
               <a:t>Name = distance</a:t>
             </a:r>
           </a:p>
           <a:p>
             <a:r>
-              <a:rPr lang="en-US" dirty="0" smtClean="0"/>
+              <a:rPr lang="en-US" dirty="0"/>
               <a:t>Field type = </a:t>
             </a:r>
             <a:r>
-              <a:rPr lang="en-US" dirty="0" err="1" smtClean="0"/>
+              <a:rPr lang="en-US" dirty="0" err="1"/>
               <a:t>GPLong</a:t>
             </a:r>
             <a:endParaRPr lang="en-US" dirty="0"/>
@@ -6757,16 +6589,12 @@
   <p:clrMapOvr>
     <a:masterClrMapping/>
   </p:clrMapOvr>
-  <mc:AlternateContent xmlns:mc="http://schemas.openxmlformats.org/markup-compatibility/2006" xmlns:p14="http://schemas.microsoft.com/office/powerpoint/2010/main">
-    <mc:Choice Requires="p14">
-      <p:transition spd="med" p14:dur="700">
-        <p:fade/>
-      </p:transition>
+  <mc:AlternateContent xmlns:mc="http://schemas.openxmlformats.org/markup-compatibility/2006">
+    <mc:Choice xmlns:p14="http://schemas.microsoft.com/office/powerpoint/2010/main" Requires="p14">
+      <p:transition p14:dur="0"/>
     </mc:Choice>
-    <mc:Fallback xmlns="">
-      <p:transition spd="med">
-        <p:fade/>
-      </p:transition>
+    <mc:Fallback>
+      <p:transition/>
     </mc:Fallback>
   </mc:AlternateContent>
 </p:sld>
@@ -6805,10 +6633,9 @@
           <a:lstStyle/>
           <a:p>
             <a:r>
-              <a:rPr lang="en-US" dirty="0" smtClean="0"/>
+              <a:rPr lang="en-US" dirty="0"/>
               <a:t>ESRI’s Tool User Interface (UI)</a:t>
             </a:r>
-            <a:endParaRPr lang="en-US" dirty="0"/>
           </a:p>
         </p:txBody>
       </p:sp>
@@ -6851,16 +6678,12 @@
   <p:clrMapOvr>
     <a:masterClrMapping/>
   </p:clrMapOvr>
-  <mc:AlternateContent xmlns:mc="http://schemas.openxmlformats.org/markup-compatibility/2006" xmlns:p14="http://schemas.microsoft.com/office/powerpoint/2010/main">
-    <mc:Choice Requires="p14">
-      <p:transition spd="med" p14:dur="700">
-        <p:fade/>
-      </p:transition>
+  <mc:AlternateContent xmlns:mc="http://schemas.openxmlformats.org/markup-compatibility/2006">
+    <mc:Choice xmlns:p14="http://schemas.microsoft.com/office/powerpoint/2010/main" Requires="p14">
+      <p:transition p14:dur="0"/>
     </mc:Choice>
-    <mc:Fallback xmlns="">
-      <p:transition spd="med">
-        <p:fade/>
-      </p:transition>
+    <mc:Fallback>
+      <p:transition/>
     </mc:Fallback>
   </mc:AlternateContent>
 </p:sld>
@@ -6899,7 +6722,7 @@
           <a:lstStyle/>
           <a:p>
             <a:r>
-              <a:rPr lang="en-US" dirty="0" err="1" smtClean="0"/>
+              <a:rPr lang="en-US" dirty="0" err="1"/>
               <a:t>updateMessages</a:t>
             </a:r>
             <a:endParaRPr lang="en-US" dirty="0"/>
@@ -7105,16 +6928,12 @@
   <p:clrMapOvr>
     <a:masterClrMapping/>
   </p:clrMapOvr>
-  <mc:AlternateContent xmlns:mc="http://schemas.openxmlformats.org/markup-compatibility/2006" xmlns:p14="http://schemas.microsoft.com/office/powerpoint/2010/main">
-    <mc:Choice Requires="p14">
-      <p:transition spd="med" p14:dur="700">
-        <p:fade/>
-      </p:transition>
+  <mc:AlternateContent xmlns:mc="http://schemas.openxmlformats.org/markup-compatibility/2006">
+    <mc:Choice xmlns:p14="http://schemas.microsoft.com/office/powerpoint/2010/main" Requires="p14">
+      <p:transition p14:dur="0"/>
     </mc:Choice>
-    <mc:Fallback xmlns="">
-      <p:transition spd="med">
-        <p:fade/>
-      </p:transition>
+    <mc:Fallback>
+      <p:transition/>
     </mc:Fallback>
   </mc:AlternateContent>
 </p:sld>
@@ -7153,10 +6972,9 @@
           <a:lstStyle/>
           <a:p>
             <a:r>
-              <a:rPr lang="en-US" dirty="0" smtClean="0"/>
+              <a:rPr lang="en-US" dirty="0"/>
               <a:t>Code it</a:t>
             </a:r>
-            <a:endParaRPr lang="en-US" dirty="0"/>
           </a:p>
         </p:txBody>
       </p:sp>
@@ -7178,7 +6996,7 @@
           <a:lstStyle/>
           <a:p>
             <a:r>
-              <a:rPr lang="en-US" dirty="0" smtClean="0"/>
+              <a:rPr lang="en-US" dirty="0"/>
               <a:t>Add the Buffer process to execute method</a:t>
             </a:r>
           </a:p>
@@ -7200,16 +7018,12 @@
   <p:clrMapOvr>
     <a:masterClrMapping/>
   </p:clrMapOvr>
-  <mc:AlternateContent xmlns:mc="http://schemas.openxmlformats.org/markup-compatibility/2006" xmlns:p14="http://schemas.microsoft.com/office/powerpoint/2010/main">
-    <mc:Choice Requires="p14">
-      <p:transition spd="med" p14:dur="700">
-        <p:fade/>
-      </p:transition>
+  <mc:AlternateContent xmlns:mc="http://schemas.openxmlformats.org/markup-compatibility/2006">
+    <mc:Choice xmlns:p14="http://schemas.microsoft.com/office/powerpoint/2010/main" Requires="p14">
+      <p:transition p14:dur="0"/>
     </mc:Choice>
-    <mc:Fallback xmlns="">
-      <p:transition spd="med">
-        <p:fade/>
-      </p:transition>
+    <mc:Fallback>
+      <p:transition/>
     </mc:Fallback>
   </mc:AlternateContent>
 </p:sld>
@@ -7323,31 +7137,31 @@
               <a:buNone/>
             </a:pPr>
             <a:r>
-              <a:rPr lang="en-US" dirty="0" smtClean="0">
+              <a:rPr lang="en-US" dirty="0">
                 <a:latin typeface="Consolas" panose="020B0609020204030204" pitchFamily="49" charset="0"/>
               </a:rPr>
               <a:t>        </a:t>
             </a:r>
             <a:r>
-              <a:rPr lang="en-US" dirty="0" err="1" smtClean="0">
+              <a:rPr lang="en-US" dirty="0" err="1">
                 <a:latin typeface="Consolas" panose="020B0609020204030204" pitchFamily="49" charset="0"/>
               </a:rPr>
               <a:t>inputFeatures</a:t>
             </a:r>
             <a:r>
-              <a:rPr lang="en-US" dirty="0" smtClean="0">
+              <a:rPr lang="en-US" dirty="0">
                 <a:latin typeface="Consolas" panose="020B0609020204030204" pitchFamily="49" charset="0"/>
               </a:rPr>
               <a:t> = parameters[0].</a:t>
             </a:r>
             <a:r>
-              <a:rPr lang="en-US" dirty="0" err="1" smtClean="0">
+              <a:rPr lang="en-US" dirty="0" err="1">
                 <a:latin typeface="Consolas" panose="020B0609020204030204" pitchFamily="49" charset="0"/>
               </a:rPr>
               <a:t>valueAsText</a:t>
             </a:r>
             <a:r>
-              <a:rPr lang="en-US" dirty="0" smtClean="0">
+              <a:rPr lang="en-US" dirty="0">
                 <a:latin typeface="Consolas" panose="020B0609020204030204" pitchFamily="49" charset="0"/>
               </a:rPr>
               <a:t> </a:t>
@@ -7361,19 +7175,7 @@
               <a:rPr lang="en-US" dirty="0">
                 <a:latin typeface="Consolas" panose="020B0609020204030204" pitchFamily="49" charset="0"/>
               </a:rPr>
-              <a:t> </a:t>
-            </a:r>
-            <a:r>
-              <a:rPr lang="en-US" dirty="0" smtClean="0">
-                <a:latin typeface="Consolas" panose="020B0609020204030204" pitchFamily="49" charset="0"/>
-              </a:rPr>
-              <a:t>       distance </a:t>
-            </a:r>
-            <a:r>
-              <a:rPr lang="en-US" dirty="0">
-                <a:latin typeface="Consolas" panose="020B0609020204030204" pitchFamily="49" charset="0"/>
-              </a:rPr>
-              <a:t>= parameters[1].</a:t>
+              <a:t>        distance = parameters[1].</a:t>
             </a:r>
             <a:r>
               <a:rPr lang="en-US" dirty="0" err="1">
@@ -7418,19 +7220,19 @@
               <a:t>        </a:t>
             </a:r>
             <a:r>
-              <a:rPr lang="en-US" dirty="0" err="1" smtClean="0">
+              <a:rPr lang="en-US" dirty="0" err="1">
                 <a:latin typeface="Consolas" panose="020B0609020204030204" pitchFamily="49" charset="0"/>
               </a:rPr>
               <a:t>arcpy.AddMessage</a:t>
             </a:r>
             <a:r>
-              <a:rPr lang="en-US" dirty="0" smtClean="0">
+              <a:rPr lang="en-US" dirty="0">
                 <a:latin typeface="Consolas" panose="020B0609020204030204" pitchFamily="49" charset="0"/>
               </a:rPr>
               <a:t>(</a:t>
             </a:r>
             <a:r>
-              <a:rPr lang="en-US" dirty="0" err="1" smtClean="0">
+              <a:rPr lang="en-US" dirty="0" err="1">
                 <a:latin typeface="Consolas" panose="020B0609020204030204" pitchFamily="49" charset="0"/>
               </a:rPr>
               <a:t>inputFeatures</a:t>
@@ -7453,19 +7255,19 @@
               <a:t>        </a:t>
             </a:r>
             <a:r>
-              <a:rPr lang="en-US" dirty="0" err="1" smtClean="0">
+              <a:rPr lang="en-US" dirty="0" err="1">
                 <a:latin typeface="Consolas" panose="020B0609020204030204" pitchFamily="49" charset="0"/>
               </a:rPr>
               <a:t>arcpy.Buffer_analysis</a:t>
             </a:r>
             <a:r>
-              <a:rPr lang="en-US" dirty="0" smtClean="0">
+              <a:rPr lang="en-US" dirty="0">
                 <a:latin typeface="Consolas" panose="020B0609020204030204" pitchFamily="49" charset="0"/>
               </a:rPr>
               <a:t>(</a:t>
             </a:r>
             <a:r>
-              <a:rPr lang="en-US" dirty="0" err="1" smtClean="0">
+              <a:rPr lang="en-US" dirty="0" err="1">
                 <a:latin typeface="Consolas" panose="020B0609020204030204" pitchFamily="49" charset="0"/>
               </a:rPr>
               <a:t>inputFeatures</a:t>
@@ -7477,34 +7279,28 @@
               <a:t>, </a:t>
             </a:r>
             <a:r>
-              <a:rPr lang="en-US" dirty="0" err="1" smtClean="0">
+              <a:rPr lang="en-US" dirty="0" err="1">
                 <a:latin typeface="Consolas" panose="020B0609020204030204" pitchFamily="49" charset="0"/>
               </a:rPr>
               <a:t>r”c</a:t>
             </a:r>
             <a:r>
-              <a:rPr lang="en-US" dirty="0" smtClean="0">
+              <a:rPr lang="en-US" dirty="0">
                 <a:latin typeface="Consolas" panose="020B0609020204030204" pitchFamily="49" charset="0"/>
               </a:rPr>
               <a:t>:\work\</a:t>
             </a:r>
             <a:r>
-              <a:rPr lang="en-US" dirty="0" err="1" smtClean="0">
+              <a:rPr lang="en-US" dirty="0" err="1">
                 <a:latin typeface="Consolas" panose="020B0609020204030204" pitchFamily="49" charset="0"/>
               </a:rPr>
               <a:t>test.shp</a:t>
             </a:r>
             <a:r>
-              <a:rPr lang="en-US" dirty="0" smtClean="0">
-                <a:latin typeface="Consolas" panose="020B0609020204030204" pitchFamily="49" charset="0"/>
-              </a:rPr>
-              <a:t>”, </a:t>
-            </a:r>
-            <a:r>
               <a:rPr lang="en-US" dirty="0">
                 <a:latin typeface="Consolas" panose="020B0609020204030204" pitchFamily="49" charset="0"/>
               </a:rPr>
-              <a:t>distance, "FULL", "ROUND", "LIST")</a:t>
+              <a:t>”, distance, "FULL", "ROUND", "LIST")</a:t>
             </a:r>
           </a:p>
           <a:p>
@@ -7522,16 +7318,12 @@
   <p:clrMapOvr>
     <a:masterClrMapping/>
   </p:clrMapOvr>
-  <mc:AlternateContent xmlns:mc="http://schemas.openxmlformats.org/markup-compatibility/2006" xmlns:p14="http://schemas.microsoft.com/office/powerpoint/2010/main">
-    <mc:Choice Requires="p14">
-      <p:transition spd="med" p14:dur="700">
-        <p:fade/>
-      </p:transition>
+  <mc:AlternateContent xmlns:mc="http://schemas.openxmlformats.org/markup-compatibility/2006">
+    <mc:Choice xmlns:p14="http://schemas.microsoft.com/office/powerpoint/2010/main" Requires="p14">
+      <p:transition p14:dur="0"/>
     </mc:Choice>
-    <mc:Fallback xmlns="">
-      <p:transition spd="med">
-        <p:fade/>
-      </p:transition>
+    <mc:Fallback>
+      <p:transition/>
     </mc:Fallback>
   </mc:AlternateContent>
 </p:sld>
@@ -7572,10 +7364,9 @@
           <a:lstStyle/>
           <a:p>
             <a:r>
-              <a:rPr lang="en-US" dirty="0" smtClean="0"/>
+              <a:rPr lang="en-US" dirty="0"/>
               <a:t>Choose your tool</a:t>
             </a:r>
-            <a:endParaRPr lang="en-US" dirty="0"/>
           </a:p>
         </p:txBody>
       </p:sp>
@@ -7595,10 +7386,9 @@
           <a:lstStyle/>
           <a:p>
             <a:r>
-              <a:rPr lang="en-US" dirty="0" smtClean="0"/>
-              <a:t>Stand Alone</a:t>
-            </a:r>
-            <a:endParaRPr lang="en-US" dirty="0"/>
+              <a:rPr lang="en-US" dirty="0"/>
+              <a:t>Stand Alone Command Line</a:t>
+            </a:r>
           </a:p>
         </p:txBody>
       </p:sp>
@@ -7618,10 +7408,9 @@
           <a:lstStyle/>
           <a:p>
             <a:r>
-              <a:rPr lang="en-US" dirty="0" smtClean="0"/>
+              <a:rPr lang="en-US" dirty="0"/>
               <a:t>No graphic user interface</a:t>
             </a:r>
-            <a:endParaRPr lang="en-US" dirty="0"/>
           </a:p>
         </p:txBody>
       </p:sp>
@@ -7641,10 +7430,9 @@
           <a:lstStyle/>
           <a:p>
             <a:r>
-              <a:rPr lang="en-US" dirty="0" smtClean="0"/>
+              <a:rPr lang="en-US" dirty="0"/>
               <a:t>ESRI Toolbox</a:t>
             </a:r>
-            <a:endParaRPr lang="en-US" dirty="0"/>
           </a:p>
         </p:txBody>
       </p:sp>
@@ -7664,7 +7452,7 @@
           <a:lstStyle/>
           <a:p>
             <a:r>
-              <a:rPr lang="en-US" dirty="0" smtClean="0"/>
+              <a:rPr lang="en-US" dirty="0"/>
               <a:t>ESRI graphic user interface</a:t>
             </a:r>
           </a:p>
@@ -7683,25 +7471,14 @@
   <p:clrMapOvr>
     <a:masterClrMapping/>
   </p:clrMapOvr>
-  <mc:AlternateContent xmlns:mc="http://schemas.openxmlformats.org/markup-compatibility/2006" xmlns:p14="http://schemas.microsoft.com/office/powerpoint/2010/main">
-    <mc:Choice Requires="p14">
-      <p:transition spd="med" p14:dur="700">
-        <p:fade/>
-      </p:transition>
+  <mc:AlternateContent xmlns:mc="http://schemas.openxmlformats.org/markup-compatibility/2006">
+    <mc:Choice xmlns:p14="http://schemas.microsoft.com/office/powerpoint/2010/main" Requires="p14">
+      <p:transition p14:dur="0"/>
     </mc:Choice>
-    <mc:Fallback xmlns="">
-      <p:transition spd="med">
-        <p:fade/>
-      </p:transition>
+    <mc:Fallback>
+      <p:transition/>
     </mc:Fallback>
   </mc:AlternateContent>
-  <p:timing>
-    <p:tnLst>
-      <p:par>
-        <p:cTn id="1" dur="indefinite" restart="never" nodeType="tmRoot"/>
-      </p:par>
-    </p:tnLst>
-  </p:timing>
 </p:sld>
 </file>
 
@@ -7738,10 +7515,9 @@
           <a:lstStyle/>
           <a:p>
             <a:r>
-              <a:rPr lang="en-US" dirty="0" smtClean="0"/>
+              <a:rPr lang="en-US" dirty="0"/>
               <a:t>Code it</a:t>
             </a:r>
-            <a:endParaRPr lang="en-US" dirty="0"/>
           </a:p>
         </p:txBody>
       </p:sp>
@@ -7761,13 +7537,13 @@
           <a:lstStyle/>
           <a:p>
             <a:r>
-              <a:rPr lang="en-US" dirty="0" smtClean="0"/>
+              <a:rPr lang="en-US" dirty="0"/>
               <a:t>Add the third parameter</a:t>
             </a:r>
           </a:p>
           <a:p>
             <a:r>
-              <a:rPr lang="en-US" dirty="0" smtClean="0"/>
+              <a:rPr lang="en-US" dirty="0"/>
               <a:t>Fix the execution function so you that the script works end to end</a:t>
             </a:r>
           </a:p>
@@ -7781,31 +7557,26 @@
               <a:t>arcpy.Parameter</a:t>
             </a:r>
             <a:r>
-              <a:rPr lang="en-US" dirty="0" smtClean="0"/>
+              <a:rPr lang="en-US" dirty="0"/>
               <a:t>()</a:t>
             </a:r>
           </a:p>
           <a:p>
             <a:pPr lvl="1"/>
             <a:r>
-              <a:rPr lang="en-US" dirty="0" err="1" smtClean="0"/>
+              <a:rPr lang="en-US" dirty="0" err="1"/>
               <a:t>displayName</a:t>
             </a:r>
             <a:r>
               <a:rPr lang="en-US" dirty="0"/>
               <a:t>="Out Features", </a:t>
             </a:r>
-            <a:endParaRPr lang="en-US" dirty="0" smtClean="0"/>
           </a:p>
           <a:p>
             <a:pPr lvl="1"/>
             <a:r>
-              <a:rPr lang="en-US" dirty="0" smtClean="0"/>
-              <a:t>name</a:t>
-            </a:r>
-            <a:r>
               <a:rPr lang="en-US" dirty="0"/>
-              <a:t>="</a:t>
+              <a:t>name="</a:t>
             </a:r>
             <a:r>
               <a:rPr lang="en-US" dirty="0" err="1"/>
@@ -7815,54 +7586,39 @@
               <a:rPr lang="en-US" dirty="0"/>
               <a:t>", </a:t>
             </a:r>
-            <a:endParaRPr lang="en-US" dirty="0" smtClean="0"/>
           </a:p>
           <a:p>
             <a:pPr lvl="1"/>
             <a:r>
-              <a:rPr lang="en-US" dirty="0" smtClean="0"/>
-              <a:t>datatype</a:t>
-            </a:r>
-            <a:r>
               <a:rPr lang="en-US" dirty="0"/>
-              <a:t>="</a:t>
+              <a:t>datatype="</a:t>
             </a:r>
             <a:r>
               <a:rPr lang="en-US" dirty="0" err="1"/>
               <a:t>DEFeatureClass</a:t>
             </a:r>
             <a:r>
-              <a:rPr lang="en-US" dirty="0" smtClean="0"/>
+              <a:rPr lang="en-US" dirty="0"/>
               <a:t>",</a:t>
             </a:r>
           </a:p>
           <a:p>
             <a:pPr lvl="1"/>
             <a:r>
-              <a:rPr lang="en-US" dirty="0" err="1" smtClean="0"/>
+              <a:rPr lang="en-US" dirty="0" err="1"/>
               <a:t>parameterType</a:t>
             </a:r>
             <a:r>
               <a:rPr lang="en-US" dirty="0"/>
               <a:t>="Required", </a:t>
             </a:r>
-            <a:endParaRPr lang="en-US" dirty="0" smtClean="0"/>
           </a:p>
           <a:p>
             <a:pPr lvl="1"/>
             <a:r>
-              <a:rPr lang="en-US" dirty="0" smtClean="0"/>
-              <a:t>direction</a:t>
-            </a:r>
-            <a:r>
               <a:rPr lang="en-US" dirty="0"/>
-              <a:t>="Output</a:t>
-            </a:r>
-            <a:r>
-              <a:rPr lang="en-US" dirty="0" smtClean="0"/>
-              <a:t>"</a:t>
-            </a:r>
-            <a:endParaRPr lang="en-US" dirty="0"/>
+              <a:t>direction="Output"</a:t>
+            </a:r>
           </a:p>
         </p:txBody>
       </p:sp>
@@ -7876,16 +7632,12 @@
   <p:clrMapOvr>
     <a:masterClrMapping/>
   </p:clrMapOvr>
-  <mc:AlternateContent xmlns:mc="http://schemas.openxmlformats.org/markup-compatibility/2006" xmlns:p14="http://schemas.microsoft.com/office/powerpoint/2010/main">
-    <mc:Choice Requires="p14">
-      <p:transition spd="med" p14:dur="700">
-        <p:fade/>
-      </p:transition>
+  <mc:AlternateContent xmlns:mc="http://schemas.openxmlformats.org/markup-compatibility/2006">
+    <mc:Choice xmlns:p14="http://schemas.microsoft.com/office/powerpoint/2010/main" Requires="p14">
+      <p:transition p14:dur="0"/>
     </mc:Choice>
-    <mc:Fallback xmlns="">
-      <p:transition spd="med">
-        <p:fade/>
-      </p:transition>
+    <mc:Fallback>
+      <p:transition/>
     </mc:Fallback>
   </mc:AlternateContent>
 </p:sld>
@@ -7924,10 +7676,9 @@
           <a:lstStyle/>
           <a:p>
             <a:r>
-              <a:rPr lang="en-US" dirty="0" smtClean="0"/>
+              <a:rPr lang="en-US" dirty="0"/>
               <a:t>Buffer Tool</a:t>
             </a:r>
-            <a:endParaRPr lang="en-US" dirty="0"/>
           </a:p>
         </p:txBody>
       </p:sp>
@@ -7947,46 +7698,45 @@
           <a:lstStyle/>
           <a:p>
             <a:r>
-              <a:rPr lang="en-US" dirty="0" smtClean="0"/>
+              <a:rPr lang="en-US" dirty="0"/>
               <a:t>The buffer tool works on any provided shapefile.</a:t>
             </a:r>
           </a:p>
           <a:p>
             <a:r>
-              <a:rPr lang="en-US" dirty="0" smtClean="0"/>
+              <a:rPr lang="en-US" dirty="0"/>
               <a:t>However, we want this to only work on point feature classes. We want to provide an error message to our user if they don’t have give a point feature class.</a:t>
             </a:r>
           </a:p>
           <a:p>
             <a:r>
-              <a:rPr lang="en-US" dirty="0" smtClean="0"/>
+              <a:rPr lang="en-US" dirty="0"/>
               <a:t>To do this we will use the </a:t>
             </a:r>
             <a:r>
-              <a:rPr lang="en-US" dirty="0" err="1" smtClean="0"/>
+              <a:rPr lang="en-US" dirty="0" err="1"/>
               <a:t>arcpy.Describe</a:t>
             </a:r>
             <a:r>
-              <a:rPr lang="en-US" dirty="0" smtClean="0"/>
+              <a:rPr lang="en-US" dirty="0"/>
               <a:t> method and the Tool </a:t>
             </a:r>
             <a:r>
-              <a:rPr lang="en-US" dirty="0" err="1" smtClean="0"/>
+              <a:rPr lang="en-US" dirty="0" err="1"/>
               <a:t>updateParameters</a:t>
             </a:r>
             <a:r>
-              <a:rPr lang="en-US" dirty="0" smtClean="0"/>
+              <a:rPr lang="en-US" dirty="0"/>
               <a:t> and </a:t>
             </a:r>
             <a:r>
-              <a:rPr lang="en-US" dirty="0" err="1" smtClean="0"/>
+              <a:rPr lang="en-US" dirty="0" err="1"/>
               <a:t>updateMessages</a:t>
             </a:r>
             <a:r>
-              <a:rPr lang="en-US" dirty="0" smtClean="0"/>
+              <a:rPr lang="en-US" dirty="0"/>
               <a:t> functions </a:t>
             </a:r>
-            <a:endParaRPr lang="en-US" dirty="0"/>
           </a:p>
         </p:txBody>
       </p:sp>
@@ -8000,16 +7750,12 @@
   <p:clrMapOvr>
     <a:masterClrMapping/>
   </p:clrMapOvr>
-  <mc:AlternateContent xmlns:mc="http://schemas.openxmlformats.org/markup-compatibility/2006" xmlns:p14="http://schemas.microsoft.com/office/powerpoint/2010/main">
-    <mc:Choice Requires="p14">
-      <p:transition spd="med" p14:dur="700">
-        <p:fade/>
-      </p:transition>
+  <mc:AlternateContent xmlns:mc="http://schemas.openxmlformats.org/markup-compatibility/2006">
+    <mc:Choice xmlns:p14="http://schemas.microsoft.com/office/powerpoint/2010/main" Requires="p14">
+      <p:transition p14:dur="0"/>
     </mc:Choice>
-    <mc:Fallback xmlns="">
-      <p:transition spd="med">
-        <p:fade/>
-      </p:transition>
+    <mc:Fallback>
+      <p:transition/>
     </mc:Fallback>
   </mc:AlternateContent>
 </p:sld>
@@ -8048,7 +7794,7 @@
           <a:lstStyle/>
           <a:p>
             <a:r>
-              <a:rPr lang="en-US" dirty="0" err="1" smtClean="0"/>
+              <a:rPr lang="en-US" dirty="0" err="1"/>
               <a:t>updateParameters</a:t>
             </a:r>
             <a:endParaRPr lang="en-US" dirty="0"/>
@@ -8112,29 +7858,20 @@
               <a:rPr lang="en-US" sz="1800" dirty="0">
                 <a:latin typeface="Consolas" panose="020B0609020204030204" pitchFamily="49" charset="0"/>
               </a:rPr>
-              <a:t>        </a:t>
-            </a:r>
-            <a:r>
-              <a:rPr lang="en-US" sz="1800" dirty="0" smtClean="0">
-                <a:latin typeface="Consolas" panose="020B0609020204030204" pitchFamily="49" charset="0"/>
-              </a:rPr>
-              <a:t>"""Modify the values and properties of parameters before </a:t>
-            </a:r>
-            <a:r>
-              <a:rPr lang="en-US" sz="1800" dirty="0" err="1" smtClean="0">
+              <a:t>        """Modify the values and properties of parameters before </a:t>
+            </a:r>
+            <a:r>
+              <a:rPr lang="en-US" sz="1800" dirty="0" err="1">
                 <a:latin typeface="Consolas" panose="020B0609020204030204" pitchFamily="49" charset="0"/>
               </a:rPr>
               <a:t>internalvalidation</a:t>
             </a:r>
             <a:r>
-              <a:rPr lang="en-US" sz="1800" dirty="0" smtClean="0">
+              <a:rPr lang="en-US" sz="1800" dirty="0">
                 <a:latin typeface="Consolas" panose="020B0609020204030204" pitchFamily="49" charset="0"/>
               </a:rPr>
               <a:t> is performed.  This method is called whenever a parameter has been changed."""</a:t>
             </a:r>
-            <a:endParaRPr lang="en-US" sz="1800" dirty="0">
-              <a:latin typeface="Consolas" panose="020B0609020204030204" pitchFamily="49" charset="0"/>
-            </a:endParaRPr>
           </a:p>
           <a:p>
             <a:pPr marL="45720" indent="0">
@@ -8191,13 +7928,7 @@
               <a:rPr lang="en-US" sz="1800" dirty="0">
                 <a:latin typeface="Consolas" panose="020B0609020204030204" pitchFamily="49" charset="0"/>
               </a:rPr>
-              <a:t>("Only Point</a:t>
-            </a:r>
-            <a:r>
-              <a:rPr lang="en-US" sz="1800" dirty="0" smtClean="0">
-                <a:latin typeface="Consolas" panose="020B0609020204030204" pitchFamily="49" charset="0"/>
-              </a:rPr>
-              <a:t>")</a:t>
+              <a:t>("Only Point")</a:t>
             </a:r>
           </a:p>
           <a:p>
@@ -8205,16 +7936,10 @@
               <a:buNone/>
             </a:pPr>
             <a:r>
-              <a:rPr lang="en-US" sz="1800" dirty="0" smtClean="0">
-                <a:latin typeface="Consolas" panose="020B0609020204030204" pitchFamily="49" charset="0"/>
-              </a:rPr>
-              <a:t>        </a:t>
-            </a:r>
-            <a:r>
               <a:rPr lang="en-US" sz="1800" dirty="0">
                 <a:latin typeface="Consolas" panose="020B0609020204030204" pitchFamily="49" charset="0"/>
               </a:rPr>
-              <a:t>return</a:t>
+              <a:t>        return</a:t>
             </a:r>
           </a:p>
         </p:txBody>
@@ -8229,16 +7954,12 @@
   <p:clrMapOvr>
     <a:masterClrMapping/>
   </p:clrMapOvr>
-  <mc:AlternateContent xmlns:mc="http://schemas.openxmlformats.org/markup-compatibility/2006" xmlns:p14="http://schemas.microsoft.com/office/powerpoint/2010/main">
-    <mc:Choice Requires="p14">
-      <p:transition spd="med" p14:dur="700">
-        <p:fade/>
-      </p:transition>
+  <mc:AlternateContent xmlns:mc="http://schemas.openxmlformats.org/markup-compatibility/2006">
+    <mc:Choice xmlns:p14="http://schemas.microsoft.com/office/powerpoint/2010/main" Requires="p14">
+      <p:transition p14:dur="0"/>
     </mc:Choice>
-    <mc:Fallback xmlns="">
-      <p:transition spd="med">
-        <p:fade/>
-      </p:transition>
+    <mc:Fallback>
+      <p:transition/>
     </mc:Fallback>
   </mc:AlternateContent>
 </p:sld>
@@ -8277,37 +7998,36 @@
           <a:lstStyle/>
           <a:p>
             <a:r>
-              <a:rPr lang="en-US" dirty="0" smtClean="0"/>
+              <a:rPr lang="en-US" dirty="0"/>
               <a:t>Code it</a:t>
             </a:r>
+          </a:p>
+        </p:txBody>
+      </p:sp>
+      <p:sp>
+        <p:nvSpPr>
+          <p:cNvPr id="3" name="Content Placeholder 2"/>
+          <p:cNvSpPr>
+            <a:spLocks noGrp="1"/>
+          </p:cNvSpPr>
+          <p:nvPr>
+            <p:ph idx="1"/>
+          </p:nvPr>
+        </p:nvSpPr>
+        <p:spPr/>
+        <p:txBody>
+          <a:bodyPr/>
+          <a:lstStyle/>
+          <a:p>
+            <a:r>
+              <a:rPr lang="en-US" dirty="0"/>
+              <a:t>Add a fourth parameter that will use a drop down list of provided distance measurements. Such as Feet, Meters, Kilometers..</a:t>
+            </a:r>
+            <a:r>
+              <a:rPr lang="en-US" dirty="0" err="1"/>
+              <a:t>etc</a:t>
+            </a:r>
             <a:endParaRPr lang="en-US" dirty="0"/>
-          </a:p>
-        </p:txBody>
-      </p:sp>
-      <p:sp>
-        <p:nvSpPr>
-          <p:cNvPr id="3" name="Content Placeholder 2"/>
-          <p:cNvSpPr>
-            <a:spLocks noGrp="1"/>
-          </p:cNvSpPr>
-          <p:nvPr>
-            <p:ph idx="1"/>
-          </p:nvPr>
-        </p:nvSpPr>
-        <p:spPr/>
-        <p:txBody>
-          <a:bodyPr/>
-          <a:lstStyle/>
-          <a:p>
-            <a:r>
-              <a:rPr lang="en-US" dirty="0" smtClean="0"/>
-              <a:t>Add a fourth parameter that will use a drop down list of provided distance measurements. Such as Feet, Meters, Kilometers..</a:t>
-            </a:r>
-            <a:r>
-              <a:rPr lang="en-US" dirty="0" err="1" smtClean="0"/>
-              <a:t>etc</a:t>
-            </a:r>
-            <a:endParaRPr lang="en-US" dirty="0" smtClean="0"/>
           </a:p>
           <a:p>
             <a:r>
@@ -8319,43 +8039,33 @@
               <a:t>arcpy.Parameter</a:t>
             </a:r>
             <a:r>
-              <a:rPr lang="en-US" dirty="0" smtClean="0"/>
+              <a:rPr lang="en-US" dirty="0"/>
               <a:t>()</a:t>
             </a:r>
           </a:p>
           <a:p>
             <a:pPr lvl="1"/>
             <a:r>
-              <a:rPr lang="en-US" dirty="0" err="1" smtClean="0"/>
+              <a:rPr lang="en-US" dirty="0" err="1"/>
               <a:t>displayName</a:t>
             </a:r>
             <a:r>
               <a:rPr lang="en-US" dirty="0"/>
               <a:t>="Distance Measurement", </a:t>
             </a:r>
-            <a:endParaRPr lang="en-US" dirty="0" smtClean="0"/>
           </a:p>
           <a:p>
             <a:pPr lvl="1"/>
             <a:r>
-              <a:rPr lang="en-US" dirty="0" smtClean="0"/>
-              <a:t>name</a:t>
-            </a:r>
-            <a:r>
               <a:rPr lang="en-US" dirty="0"/>
-              <a:t>="unit", </a:t>
-            </a:r>
-            <a:endParaRPr lang="en-US" dirty="0" smtClean="0"/>
+              <a:t>name="unit", </a:t>
+            </a:r>
           </a:p>
           <a:p>
             <a:pPr lvl="1"/>
             <a:r>
-              <a:rPr lang="en-US" dirty="0" smtClean="0"/>
-              <a:t>datatype</a:t>
-            </a:r>
-            <a:r>
               <a:rPr lang="en-US" dirty="0"/>
-              <a:t>="</a:t>
+              <a:t>datatype="</a:t>
             </a:r>
             <a:r>
               <a:rPr lang="en-US" dirty="0" err="1"/>
@@ -8365,35 +8075,24 @@
               <a:rPr lang="en-US" dirty="0"/>
               <a:t>", </a:t>
             </a:r>
-            <a:endParaRPr lang="en-US" dirty="0" smtClean="0"/>
           </a:p>
           <a:p>
             <a:pPr lvl="1"/>
             <a:r>
-              <a:rPr lang="en-US" dirty="0" err="1" smtClean="0"/>
+              <a:rPr lang="en-US" dirty="0" err="1"/>
               <a:t>parameterType</a:t>
             </a:r>
             <a:r>
               <a:rPr lang="en-US" dirty="0"/>
               <a:t>="Required", </a:t>
             </a:r>
-            <a:endParaRPr lang="en-US" dirty="0" smtClean="0"/>
           </a:p>
           <a:p>
             <a:pPr lvl="1"/>
             <a:r>
-              <a:rPr lang="en-US" dirty="0" smtClean="0"/>
-              <a:t>direction</a:t>
-            </a:r>
-            <a:r>
               <a:rPr lang="en-US" dirty="0"/>
-              <a:t>="Input</a:t>
-            </a:r>
-            <a:r>
-              <a:rPr lang="en-US" dirty="0" smtClean="0"/>
-              <a:t>"</a:t>
-            </a:r>
-            <a:endParaRPr lang="en-US" dirty="0"/>
+              <a:t>direction="Input"</a:t>
+            </a:r>
           </a:p>
         </p:txBody>
       </p:sp>
@@ -8407,16 +8106,12 @@
   <p:clrMapOvr>
     <a:masterClrMapping/>
   </p:clrMapOvr>
-  <mc:AlternateContent xmlns:mc="http://schemas.openxmlformats.org/markup-compatibility/2006" xmlns:p14="http://schemas.microsoft.com/office/powerpoint/2010/main">
-    <mc:Choice Requires="p14">
-      <p:transition spd="med" p14:dur="700">
-        <p:fade/>
-      </p:transition>
+  <mc:AlternateContent xmlns:mc="http://schemas.openxmlformats.org/markup-compatibility/2006">
+    <mc:Choice xmlns:p14="http://schemas.microsoft.com/office/powerpoint/2010/main" Requires="p14">
+      <p:transition p14:dur="0"/>
     </mc:Choice>
-    <mc:Fallback xmlns="">
-      <p:transition spd="med">
-        <p:fade/>
-      </p:transition>
+    <mc:Fallback>
+      <p:transition/>
     </mc:Fallback>
   </mc:AlternateContent>
 </p:sld>
@@ -8461,16 +8156,12 @@
               <a:t>Modify the </a:t>
             </a:r>
             <a:r>
-              <a:rPr lang="en-US" dirty="0" err="1" smtClean="0"/>
+              <a:rPr lang="en-US" dirty="0" err="1"/>
               <a:t>getParameterInfo</a:t>
             </a:r>
             <a:r>
-              <a:rPr lang="en-US" dirty="0" smtClean="0"/>
+              <a:rPr lang="en-US" dirty="0"/>
               <a:t>()</a:t>
-            </a:r>
-            <a:r>
-              <a:rPr lang="en-US" dirty="0"/>
-              <a:t/>
             </a:r>
             <a:br>
               <a:rPr lang="en-US" dirty="0"/>
@@ -8500,13 +8191,13 @@
               <a:buNone/>
             </a:pPr>
             <a:r>
-              <a:rPr lang="en-US" sz="1900" dirty="0" err="1" smtClean="0">
+              <a:rPr lang="en-US" sz="1900" dirty="0" err="1">
                 <a:latin typeface="Consolas" panose="020B0609020204030204" pitchFamily="49" charset="0"/>
               </a:rPr>
               <a:t>def</a:t>
             </a:r>
             <a:r>
-              <a:rPr lang="en-US" sz="1900" dirty="0" smtClean="0">
+              <a:rPr lang="en-US" sz="1900" dirty="0">
                 <a:latin typeface="Consolas" panose="020B0609020204030204" pitchFamily="49" charset="0"/>
               </a:rPr>
               <a:t> </a:t>
@@ -8521,13 +8212,7 @@
               <a:rPr lang="en-US" sz="1900" dirty="0">
                 <a:latin typeface="Consolas" panose="020B0609020204030204" pitchFamily="49" charset="0"/>
               </a:rPr>
-              <a:t>(self</a:t>
-            </a:r>
-            <a:r>
-              <a:rPr lang="en-US" sz="1900" dirty="0" smtClean="0">
-                <a:latin typeface="Consolas" panose="020B0609020204030204" pitchFamily="49" charset="0"/>
-              </a:rPr>
-              <a:t>):</a:t>
+              <a:t>(self):</a:t>
             </a:r>
           </a:p>
           <a:p>
@@ -8538,28 +8223,16 @@
               <a:rPr lang="en-US" sz="1900" dirty="0">
                 <a:latin typeface="Consolas" panose="020B0609020204030204" pitchFamily="49" charset="0"/>
               </a:rPr>
-              <a:t>   </a:t>
-            </a:r>
-            <a:r>
-              <a:rPr lang="en-US" sz="1900" dirty="0" smtClean="0">
-                <a:latin typeface="Consolas" panose="020B0609020204030204" pitchFamily="49" charset="0"/>
-              </a:rPr>
-              <a:t>param1 </a:t>
+              <a:t>   param1 =  </a:t>
+            </a:r>
+            <a:r>
+              <a:rPr lang="en-US" sz="1900" dirty="0" err="1">
+                <a:latin typeface="Consolas" panose="020B0609020204030204" pitchFamily="49" charset="0"/>
+              </a:rPr>
+              <a:t>arcpy.Parameter</a:t>
             </a:r>
             <a:r>
               <a:rPr lang="en-US" sz="1900" dirty="0">
-                <a:latin typeface="Consolas" panose="020B0609020204030204" pitchFamily="49" charset="0"/>
-              </a:rPr>
-              <a:t>=  </a:t>
-            </a:r>
-            <a:r>
-              <a:rPr lang="en-US" sz="1900" dirty="0" err="1" smtClean="0">
-                <a:latin typeface="Consolas" panose="020B0609020204030204" pitchFamily="49" charset="0"/>
-              </a:rPr>
-              <a:t>arcpy.Parameter</a:t>
-            </a:r>
-            <a:r>
-              <a:rPr lang="en-US" sz="1900" dirty="0" smtClean="0">
                 <a:latin typeface="Consolas" panose="020B0609020204030204" pitchFamily="49" charset="0"/>
               </a:rPr>
               <a:t>()</a:t>
@@ -8573,28 +8246,16 @@
               <a:rPr lang="en-US" sz="1900" dirty="0">
                 <a:latin typeface="Consolas" panose="020B0609020204030204" pitchFamily="49" charset="0"/>
               </a:rPr>
-              <a:t> </a:t>
-            </a:r>
-            <a:r>
-              <a:rPr lang="en-US" sz="1900" dirty="0" smtClean="0">
-                <a:latin typeface="Consolas" panose="020B0609020204030204" pitchFamily="49" charset="0"/>
-              </a:rPr>
-              <a:t>param2 </a:t>
+              <a:t> param2 =  </a:t>
+            </a:r>
+            <a:r>
+              <a:rPr lang="en-US" sz="1900" dirty="0" err="1">
+                <a:latin typeface="Consolas" panose="020B0609020204030204" pitchFamily="49" charset="0"/>
+              </a:rPr>
+              <a:t>arcpy.Parameter</a:t>
             </a:r>
             <a:r>
               <a:rPr lang="en-US" sz="1900" dirty="0">
-                <a:latin typeface="Consolas" panose="020B0609020204030204" pitchFamily="49" charset="0"/>
-              </a:rPr>
-              <a:t>=  </a:t>
-            </a:r>
-            <a:r>
-              <a:rPr lang="en-US" sz="1900" dirty="0" err="1">
-                <a:latin typeface="Consolas" panose="020B0609020204030204" pitchFamily="49" charset="0"/>
-              </a:rPr>
-              <a:t>arcpy.Parameter</a:t>
-            </a:r>
-            <a:r>
-              <a:rPr lang="en-US" sz="1900" dirty="0" smtClean="0">
                 <a:latin typeface="Consolas" panose="020B0609020204030204" pitchFamily="49" charset="0"/>
               </a:rPr>
               <a:t>()</a:t>
@@ -8608,28 +8269,16 @@
               <a:rPr lang="en-US" sz="1900" dirty="0">
                 <a:latin typeface="Consolas" panose="020B0609020204030204" pitchFamily="49" charset="0"/>
               </a:rPr>
-              <a:t> </a:t>
-            </a:r>
-            <a:r>
-              <a:rPr lang="en-US" sz="1900" dirty="0" smtClean="0">
-                <a:latin typeface="Consolas" panose="020B0609020204030204" pitchFamily="49" charset="0"/>
-              </a:rPr>
-              <a:t>param3 </a:t>
+              <a:t> param3 =  </a:t>
+            </a:r>
+            <a:r>
+              <a:rPr lang="en-US" sz="1900" dirty="0" err="1">
+                <a:latin typeface="Consolas" panose="020B0609020204030204" pitchFamily="49" charset="0"/>
+              </a:rPr>
+              <a:t>arcpy.Parameter</a:t>
             </a:r>
             <a:r>
               <a:rPr lang="en-US" sz="1900" dirty="0">
-                <a:latin typeface="Consolas" panose="020B0609020204030204" pitchFamily="49" charset="0"/>
-              </a:rPr>
-              <a:t>=  </a:t>
-            </a:r>
-            <a:r>
-              <a:rPr lang="en-US" sz="1900" dirty="0" err="1">
-                <a:latin typeface="Consolas" panose="020B0609020204030204" pitchFamily="49" charset="0"/>
-              </a:rPr>
-              <a:t>arcpy.Parameter</a:t>
-            </a:r>
-            <a:r>
-              <a:rPr lang="en-US" sz="1900" dirty="0" smtClean="0">
                 <a:latin typeface="Consolas" panose="020B0609020204030204" pitchFamily="49" charset="0"/>
               </a:rPr>
               <a:t>()</a:t>
@@ -8643,51 +8292,30 @@
               <a:rPr lang="en-US" sz="1900" dirty="0">
                 <a:latin typeface="Consolas" panose="020B0609020204030204" pitchFamily="49" charset="0"/>
               </a:rPr>
-              <a:t> </a:t>
-            </a:r>
-            <a:r>
-              <a:rPr lang="en-US" sz="1900" dirty="0" smtClean="0">
-                <a:latin typeface="Consolas" panose="020B0609020204030204" pitchFamily="49" charset="0"/>
-              </a:rPr>
-              <a:t>param4 </a:t>
+              <a:t> param4 =  </a:t>
+            </a:r>
+            <a:r>
+              <a:rPr lang="en-US" sz="1900" dirty="0" err="1">
+                <a:latin typeface="Consolas" panose="020B0609020204030204" pitchFamily="49" charset="0"/>
+              </a:rPr>
+              <a:t>arcpy.Parameter</a:t>
             </a:r>
             <a:r>
               <a:rPr lang="en-US" sz="1900" dirty="0">
                 <a:latin typeface="Consolas" panose="020B0609020204030204" pitchFamily="49" charset="0"/>
               </a:rPr>
-              <a:t>=  </a:t>
-            </a:r>
-            <a:r>
-              <a:rPr lang="en-US" sz="1900" dirty="0" err="1">
-                <a:latin typeface="Consolas" panose="020B0609020204030204" pitchFamily="49" charset="0"/>
-              </a:rPr>
-              <a:t>arcpy.Parameter</a:t>
-            </a:r>
-            <a:r>
-              <a:rPr lang="en-US" sz="1900" dirty="0">
-                <a:latin typeface="Consolas" panose="020B0609020204030204" pitchFamily="49" charset="0"/>
-              </a:rPr>
               <a:t>()</a:t>
             </a:r>
-            <a:endParaRPr lang="en-US" sz="1900" dirty="0" smtClean="0">
-              <a:latin typeface="Consolas" panose="020B0609020204030204" pitchFamily="49" charset="0"/>
-            </a:endParaRPr>
           </a:p>
           <a:p>
             <a:pPr marL="274320" lvl="1" indent="0">
               <a:buNone/>
             </a:pPr>
             <a:r>
-              <a:rPr lang="en-US" sz="1900" dirty="0" smtClean="0">
-                <a:latin typeface="Consolas" panose="020B0609020204030204" pitchFamily="49" charset="0"/>
-              </a:rPr>
-              <a:t> </a:t>
-            </a:r>
-            <a:r>
               <a:rPr lang="en-US" sz="1900" dirty="0">
                 <a:latin typeface="Consolas" panose="020B0609020204030204" pitchFamily="49" charset="0"/>
               </a:rPr>
-              <a:t>param4.filter.type = "Value List"</a:t>
+              <a:t> param4.filter.type = "Value List"</a:t>
             </a:r>
           </a:p>
           <a:p>
@@ -8698,19 +8326,7 @@
               <a:rPr lang="en-US" sz="1900" dirty="0">
                 <a:latin typeface="Consolas" panose="020B0609020204030204" pitchFamily="49" charset="0"/>
               </a:rPr>
-              <a:t> </a:t>
-            </a:r>
-            <a:r>
-              <a:rPr lang="en-US" sz="1900" dirty="0" smtClean="0">
-                <a:latin typeface="Consolas" panose="020B0609020204030204" pitchFamily="49" charset="0"/>
-              </a:rPr>
-              <a:t>param4.filter.list </a:t>
-            </a:r>
-            <a:r>
-              <a:rPr lang="en-US" sz="1900" dirty="0">
-                <a:latin typeface="Consolas" panose="020B0609020204030204" pitchFamily="49" charset="0"/>
-              </a:rPr>
-              <a:t>= ["Feet", "Meter"]</a:t>
+              <a:t> param4.filter.list = ["Feet", "Meter"]</a:t>
             </a:r>
           </a:p>
           <a:p>
@@ -8729,19 +8345,7 @@
               <a:rPr lang="en-US" sz="1900" dirty="0">
                 <a:latin typeface="Consolas" panose="020B0609020204030204" pitchFamily="49" charset="0"/>
               </a:rPr>
-              <a:t> </a:t>
-            </a:r>
-            <a:r>
-              <a:rPr lang="en-US" sz="1900" dirty="0" smtClean="0">
-                <a:latin typeface="Consolas" panose="020B0609020204030204" pitchFamily="49" charset="0"/>
-              </a:rPr>
-              <a:t>#</a:t>
-            </a:r>
-            <a:r>
-              <a:rPr lang="en-US" sz="1900" dirty="0">
-                <a:latin typeface="Consolas" panose="020B0609020204030204" pitchFamily="49" charset="0"/>
-              </a:rPr>
-              <a:t>Must return a List object </a:t>
+              <a:t> #Must return a List object </a:t>
             </a:r>
           </a:p>
           <a:p>
@@ -8752,19 +8356,7 @@
               <a:rPr lang="en-US" sz="1900" dirty="0">
                 <a:latin typeface="Consolas" panose="020B0609020204030204" pitchFamily="49" charset="0"/>
               </a:rPr>
-              <a:t> </a:t>
-            </a:r>
-            <a:r>
-              <a:rPr lang="en-US" sz="1900" dirty="0" smtClean="0">
-                <a:latin typeface="Consolas" panose="020B0609020204030204" pitchFamily="49" charset="0"/>
-              </a:rPr>
-              <a:t>#</a:t>
-            </a:r>
-            <a:r>
-              <a:rPr lang="en-US" sz="1900" dirty="0">
-                <a:latin typeface="Consolas" panose="020B0609020204030204" pitchFamily="49" charset="0"/>
-              </a:rPr>
-              <a:t>The order of the returned list affects the order of the boxes as they are displayed</a:t>
+              <a:t> #The order of the returned list affects the order of the boxes as they are displayed</a:t>
             </a:r>
           </a:p>
           <a:p>
@@ -8775,19 +8367,7 @@
               <a:rPr lang="en-US" sz="1900" dirty="0">
                 <a:latin typeface="Consolas" panose="020B0609020204030204" pitchFamily="49" charset="0"/>
               </a:rPr>
-              <a:t> </a:t>
-            </a:r>
-            <a:r>
-              <a:rPr lang="en-US" sz="1900" dirty="0" smtClean="0">
-                <a:latin typeface="Consolas" panose="020B0609020204030204" pitchFamily="49" charset="0"/>
-              </a:rPr>
-              <a:t>return[param1</a:t>
-            </a:r>
-            <a:r>
-              <a:rPr lang="en-US" sz="1900" dirty="0">
-                <a:latin typeface="Consolas" panose="020B0609020204030204" pitchFamily="49" charset="0"/>
-              </a:rPr>
-              <a:t>, param2, param4, param3 ]</a:t>
+              <a:t> return[param1, param2, param4, param3 ]</a:t>
             </a:r>
           </a:p>
         </p:txBody>
@@ -8802,16 +8382,12 @@
   <p:clrMapOvr>
     <a:masterClrMapping/>
   </p:clrMapOvr>
-  <mc:AlternateContent xmlns:mc="http://schemas.openxmlformats.org/markup-compatibility/2006" xmlns:p14="http://schemas.microsoft.com/office/powerpoint/2010/main">
-    <mc:Choice Requires="p14">
-      <p:transition spd="med" p14:dur="700">
-        <p:fade/>
-      </p:transition>
+  <mc:AlternateContent xmlns:mc="http://schemas.openxmlformats.org/markup-compatibility/2006">
+    <mc:Choice xmlns:p14="http://schemas.microsoft.com/office/powerpoint/2010/main" Requires="p14">
+      <p:transition p14:dur="0"/>
     </mc:Choice>
-    <mc:Fallback xmlns="">
-      <p:transition spd="med">
-        <p:fade/>
-      </p:transition>
+    <mc:Fallback>
+      <p:transition/>
     </mc:Fallback>
   </mc:AlternateContent>
 </p:sld>
@@ -8850,10 +8426,9 @@
           <a:lstStyle/>
           <a:p>
             <a:r>
-              <a:rPr lang="en-US" dirty="0" smtClean="0"/>
+              <a:rPr lang="en-US" dirty="0"/>
               <a:t>Modify the Execute Function</a:t>
             </a:r>
-            <a:endParaRPr lang="en-US" dirty="0"/>
           </a:p>
         </p:txBody>
       </p:sp>
@@ -8908,7 +8483,7 @@
               <a:t>valueAsText</a:t>
             </a:r>
             <a:r>
-              <a:rPr lang="en-US" sz="1800" dirty="0" smtClean="0">
+              <a:rPr lang="en-US" sz="1800" dirty="0">
                 <a:latin typeface="Consolas" panose="020B0609020204030204" pitchFamily="49" charset="0"/>
               </a:rPr>
               <a:t>)</a:t>
@@ -8919,19 +8494,19 @@
               <a:buNone/>
             </a:pPr>
             <a:r>
-              <a:rPr lang="en-US" sz="1800" dirty="0" err="1" smtClean="0">
+              <a:rPr lang="en-US" sz="1800" dirty="0" err="1">
                 <a:latin typeface="Consolas" panose="020B0609020204030204" pitchFamily="49" charset="0"/>
               </a:rPr>
               <a:t>arcpy.AddMessage</a:t>
             </a:r>
             <a:r>
-              <a:rPr lang="en-US" sz="1800" dirty="0" smtClean="0">
+              <a:rPr lang="en-US" sz="1800" dirty="0">
                 <a:latin typeface="Consolas" panose="020B0609020204030204" pitchFamily="49" charset="0"/>
               </a:rPr>
               <a:t>(</a:t>
             </a:r>
             <a:r>
-              <a:rPr lang="en-US" sz="1800" dirty="0" err="1" smtClean="0">
+              <a:rPr lang="en-US" sz="1800" dirty="0" err="1">
                 <a:latin typeface="Consolas" panose="020B0609020204030204" pitchFamily="49" charset="0"/>
               </a:rPr>
               <a:t>distance_with_unit</a:t>
@@ -8948,19 +8523,19 @@
               <a:buNone/>
             </a:pPr>
             <a:r>
-              <a:rPr lang="en-US" sz="1800" dirty="0" err="1" smtClean="0">
+              <a:rPr lang="en-US" sz="1800" dirty="0" err="1">
                 <a:latin typeface="Consolas" panose="020B0609020204030204" pitchFamily="49" charset="0"/>
               </a:rPr>
               <a:t>arcpy.Buffer_analysis</a:t>
             </a:r>
             <a:r>
-              <a:rPr lang="en-US" sz="1800" dirty="0" smtClean="0">
+              <a:rPr lang="en-US" sz="1800" dirty="0">
                 <a:latin typeface="Consolas" panose="020B0609020204030204" pitchFamily="49" charset="0"/>
               </a:rPr>
               <a:t>(</a:t>
             </a:r>
             <a:r>
-              <a:rPr lang="en-US" sz="1800" dirty="0" err="1" smtClean="0">
+              <a:rPr lang="en-US" sz="1800" dirty="0" err="1">
                 <a:latin typeface="Consolas" panose="020B0609020204030204" pitchFamily="49" charset="0"/>
               </a:rPr>
               <a:t>inputFeatures</a:t>
@@ -9008,16 +8583,12 @@
   <p:clrMapOvr>
     <a:masterClrMapping/>
   </p:clrMapOvr>
-  <mc:AlternateContent xmlns:mc="http://schemas.openxmlformats.org/markup-compatibility/2006" xmlns:p14="http://schemas.microsoft.com/office/powerpoint/2010/main">
-    <mc:Choice Requires="p14">
-      <p:transition spd="med" p14:dur="700">
-        <p:fade/>
-      </p:transition>
+  <mc:AlternateContent xmlns:mc="http://schemas.openxmlformats.org/markup-compatibility/2006">
+    <mc:Choice xmlns:p14="http://schemas.microsoft.com/office/powerpoint/2010/main" Requires="p14">
+      <p:transition p14:dur="0"/>
     </mc:Choice>
-    <mc:Fallback xmlns="">
-      <p:transition spd="med">
-        <p:fade/>
-      </p:transition>
+    <mc:Fallback>
+      <p:transition/>
     </mc:Fallback>
   </mc:AlternateContent>
 </p:sld>
@@ -9056,11 +8627,11 @@
           <a:lstStyle/>
           <a:p>
             <a:r>
-              <a:rPr lang="en-US" dirty="0" smtClean="0"/>
+              <a:rPr lang="en-US" dirty="0"/>
               <a:t>Completed </a:t>
             </a:r>
             <a:r>
-              <a:rPr lang="en-US" dirty="0" err="1" smtClean="0"/>
+              <a:rPr lang="en-US" dirty="0" err="1"/>
               <a:t>ArcToolBox</a:t>
             </a:r>
             <a:endParaRPr lang="en-US" dirty="0"/>
@@ -9106,16 +8677,12 @@
   <p:clrMapOvr>
     <a:masterClrMapping/>
   </p:clrMapOvr>
-  <mc:AlternateContent xmlns:mc="http://schemas.openxmlformats.org/markup-compatibility/2006" xmlns:p14="http://schemas.microsoft.com/office/powerpoint/2010/main">
-    <mc:Choice Requires="p14">
-      <p:transition spd="med" p14:dur="700">
-        <p:fade/>
-      </p:transition>
+  <mc:AlternateContent xmlns:mc="http://schemas.openxmlformats.org/markup-compatibility/2006">
+    <mc:Choice xmlns:p14="http://schemas.microsoft.com/office/powerpoint/2010/main" Requires="p14">
+      <p:transition p14:dur="0"/>
     </mc:Choice>
-    <mc:Fallback xmlns="">
-      <p:transition spd="med">
-        <p:fade/>
-      </p:transition>
+    <mc:Fallback>
+      <p:transition/>
     </mc:Fallback>
   </mc:AlternateContent>
 </p:sld>
@@ -9154,10 +8721,9 @@
           <a:lstStyle/>
           <a:p>
             <a:r>
-              <a:rPr lang="en-US" dirty="0" smtClean="0"/>
+              <a:rPr lang="en-US" dirty="0"/>
               <a:t>Automated Buffering</a:t>
             </a:r>
-            <a:endParaRPr lang="en-US" dirty="0"/>
           </a:p>
         </p:txBody>
       </p:sp>
@@ -9200,16 +8766,12 @@
   <p:clrMapOvr>
     <a:masterClrMapping/>
   </p:clrMapOvr>
-  <mc:AlternateContent xmlns:mc="http://schemas.openxmlformats.org/markup-compatibility/2006" xmlns:p14="http://schemas.microsoft.com/office/powerpoint/2010/main">
-    <mc:Choice Requires="p14">
-      <p:transition spd="med" p14:dur="700">
-        <p:fade/>
-      </p:transition>
+  <mc:AlternateContent xmlns:mc="http://schemas.openxmlformats.org/markup-compatibility/2006">
+    <mc:Choice xmlns:p14="http://schemas.microsoft.com/office/powerpoint/2010/main" Requires="p14">
+      <p:transition p14:dur="0"/>
     </mc:Choice>
-    <mc:Fallback xmlns="">
-      <p:transition spd="med">
-        <p:fade/>
-      </p:transition>
+    <mc:Fallback>
+      <p:transition/>
     </mc:Fallback>
   </mc:AlternateContent>
 </p:sld>
@@ -9248,10 +8810,9 @@
           <a:lstStyle/>
           <a:p>
             <a:r>
-              <a:rPr lang="en-US" dirty="0" smtClean="0"/>
+              <a:rPr lang="en-US" dirty="0"/>
               <a:t>Adding your tool to Arc</a:t>
             </a:r>
-            <a:endParaRPr lang="en-US" dirty="0"/>
           </a:p>
         </p:txBody>
       </p:sp>
@@ -9296,17 +8857,17 @@
           <a:lstStyle/>
           <a:p>
             <a:r>
-              <a:rPr lang="en-US" dirty="0" smtClean="0"/>
+              <a:rPr lang="en-US" dirty="0"/>
               <a:t>Go the main toolbar</a:t>
             </a:r>
           </a:p>
           <a:p>
             <a:r>
-              <a:rPr lang="en-US" dirty="0" smtClean="0"/>
+              <a:rPr lang="en-US" dirty="0"/>
               <a:t>Go to customize </a:t>
             </a:r>
             <a:r>
-              <a:rPr lang="en-US" dirty="0" smtClean="0">
+              <a:rPr lang="en-US" dirty="0">
                 <a:sym typeface="Wingdings" panose="05000000000000000000" pitchFamily="2" charset="2"/>
               </a:rPr>
               <a:t> customize</a:t>
@@ -9335,16 +8896,12 @@
   <p:clrMapOvr>
     <a:masterClrMapping/>
   </p:clrMapOvr>
-  <mc:AlternateContent xmlns:mc="http://schemas.openxmlformats.org/markup-compatibility/2006" xmlns:p14="http://schemas.microsoft.com/office/powerpoint/2010/main">
-    <mc:Choice Requires="p14">
-      <p:transition spd="med" p14:dur="700">
-        <p:fade/>
-      </p:transition>
+  <mc:AlternateContent xmlns:mc="http://schemas.openxmlformats.org/markup-compatibility/2006">
+    <mc:Choice xmlns:p14="http://schemas.microsoft.com/office/powerpoint/2010/main" Requires="p14">
+      <p:transition p14:dur="0"/>
     </mc:Choice>
-    <mc:Fallback xmlns="">
-      <p:transition spd="med">
-        <p:fade/>
-      </p:transition>
+    <mc:Fallback>
+      <p:transition/>
     </mc:Fallback>
   </mc:AlternateContent>
 </p:sld>
@@ -9388,18 +8945,17 @@
           <a:lstStyle/>
           <a:p>
             <a:r>
-              <a:rPr lang="en-US" dirty="0" smtClean="0"/>
+              <a:rPr lang="en-US" dirty="0"/>
               <a:t>Find the </a:t>
             </a:r>
             <a:r>
-              <a:rPr lang="en-US" dirty="0" err="1" smtClean="0"/>
+              <a:rPr lang="en-US" dirty="0" err="1"/>
               <a:t>GeoProcessing</a:t>
             </a:r>
             <a:r>
-              <a:rPr lang="en-US" dirty="0" smtClean="0"/>
+              <a:rPr lang="en-US" dirty="0"/>
               <a:t> Tools</a:t>
             </a:r>
-            <a:endParaRPr lang="en-US" dirty="0"/>
           </a:p>
         </p:txBody>
       </p:sp>
@@ -9641,10 +9197,9 @@
               </a:lnSpc>
             </a:pPr>
             <a:r>
-              <a:rPr lang="en-US" sz="2400" dirty="0" smtClean="0"/>
+              <a:rPr lang="en-US" sz="2400" dirty="0"/>
               <a:t>Click on the “Commands” tab</a:t>
             </a:r>
-            <a:endParaRPr lang="en-US" sz="2400" dirty="0"/>
           </a:p>
         </p:txBody>
       </p:sp>
@@ -9676,11 +9231,11 @@
               </a:lnSpc>
             </a:pPr>
             <a:r>
-              <a:rPr lang="en-US" sz="2400" dirty="0" smtClean="0"/>
+              <a:rPr lang="en-US" sz="2400" dirty="0"/>
               <a:t>Scroll to “Geoprocessing” </a:t>
             </a:r>
             <a:r>
-              <a:rPr lang="en-US" sz="2400" dirty="0" smtClean="0">
+              <a:rPr lang="en-US" sz="2400" dirty="0">
                 <a:sym typeface="Wingdings" panose="05000000000000000000" pitchFamily="2" charset="2"/>
               </a:rPr>
               <a:t> Add Tools</a:t>
@@ -9699,16 +9254,12 @@
   <p:clrMapOvr>
     <a:masterClrMapping/>
   </p:clrMapOvr>
-  <mc:AlternateContent xmlns:mc="http://schemas.openxmlformats.org/markup-compatibility/2006" xmlns:p14="http://schemas.microsoft.com/office/powerpoint/2010/main">
-    <mc:Choice Requires="p14">
-      <p:transition spd="med" p14:dur="700">
-        <p:fade/>
-      </p:transition>
+  <mc:AlternateContent xmlns:mc="http://schemas.openxmlformats.org/markup-compatibility/2006">
+    <mc:Choice xmlns:p14="http://schemas.microsoft.com/office/powerpoint/2010/main" Requires="p14">
+      <p:transition p14:dur="0"/>
     </mc:Choice>
-    <mc:Fallback xmlns="">
-      <p:transition spd="med">
-        <p:fade/>
-      </p:transition>
+    <mc:Fallback>
+      <p:transition/>
     </mc:Fallback>
   </mc:AlternateContent>
 </p:sld>
@@ -9747,10 +9298,9 @@
           <a:lstStyle/>
           <a:p>
             <a:r>
-              <a:rPr lang="en-US" dirty="0" smtClean="0"/>
+              <a:rPr lang="en-US" dirty="0"/>
               <a:t>Create a new Python Toolbox - ArcGIS</a:t>
             </a:r>
-            <a:endParaRPr lang="en-US" dirty="0"/>
           </a:p>
         </p:txBody>
       </p:sp>
@@ -9795,31 +9345,31 @@
           <a:lstStyle/>
           <a:p>
             <a:r>
-              <a:rPr lang="en-US" dirty="0" smtClean="0"/>
+              <a:rPr lang="en-US" dirty="0"/>
               <a:t>Open </a:t>
             </a:r>
             <a:r>
-              <a:rPr lang="en-US" dirty="0" err="1" smtClean="0"/>
+              <a:rPr lang="en-US" dirty="0" err="1"/>
               <a:t>ArcCatalog</a:t>
             </a:r>
-            <a:endParaRPr lang="en-US" dirty="0" smtClean="0"/>
-          </a:p>
-          <a:p>
-            <a:r>
-              <a:rPr lang="en-US" dirty="0" smtClean="0"/>
+            <a:endParaRPr lang="en-US" dirty="0"/>
+          </a:p>
+          <a:p>
+            <a:r>
+              <a:rPr lang="en-US" dirty="0"/>
               <a:t>Right-Click on the Toolbox</a:t>
             </a:r>
           </a:p>
           <a:p>
             <a:r>
-              <a:rPr lang="en-US" dirty="0" smtClean="0"/>
+              <a:rPr lang="en-US" dirty="0"/>
               <a:t>New Python </a:t>
             </a:r>
             <a:r>
-              <a:rPr lang="en-US" dirty="0" err="1" smtClean="0"/>
+              <a:rPr lang="en-US" dirty="0" err="1"/>
               <a:t>ToolBox</a:t>
             </a:r>
-            <a:endParaRPr lang="en-US" dirty="0" smtClean="0"/>
+            <a:endParaRPr lang="en-US" dirty="0"/>
           </a:p>
           <a:p>
             <a:endParaRPr lang="en-US" dirty="0"/>
@@ -9836,16 +9386,12 @@
   <p:clrMapOvr>
     <a:masterClrMapping/>
   </p:clrMapOvr>
-  <mc:AlternateContent xmlns:mc="http://schemas.openxmlformats.org/markup-compatibility/2006" xmlns:p14="http://schemas.microsoft.com/office/powerpoint/2010/main">
-    <mc:Choice Requires="p14">
-      <p:transition spd="med" p14:dur="700">
-        <p:fade/>
-      </p:transition>
+  <mc:AlternateContent xmlns:mc="http://schemas.openxmlformats.org/markup-compatibility/2006">
+    <mc:Choice xmlns:p14="http://schemas.microsoft.com/office/powerpoint/2010/main" Requires="p14">
+      <p:transition p14:dur="0"/>
     </mc:Choice>
-    <mc:Fallback xmlns="">
-      <p:transition spd="med">
-        <p:fade/>
-      </p:transition>
+    <mc:Fallback>
+      <p:transition/>
     </mc:Fallback>
   </mc:AlternateContent>
 </p:sld>
@@ -9889,10 +9435,9 @@
           <a:lstStyle/>
           <a:p>
             <a:r>
-              <a:rPr lang="en-US" dirty="0" smtClean="0"/>
+              <a:rPr lang="en-US" dirty="0"/>
               <a:t>Load your Python Tool</a:t>
             </a:r>
-            <a:endParaRPr lang="en-US" dirty="0"/>
           </a:p>
         </p:txBody>
       </p:sp>
@@ -9974,10 +9519,9 @@
               </a:lnSpc>
             </a:pPr>
             <a:r>
-              <a:rPr lang="en-US" sz="2400" dirty="0" smtClean="0"/>
+              <a:rPr lang="en-US" sz="2400" dirty="0"/>
               <a:t>Click on the Toolboxes</a:t>
             </a:r>
-            <a:endParaRPr lang="en-US" sz="2400" dirty="0"/>
           </a:p>
         </p:txBody>
       </p:sp>
@@ -10009,10 +9553,9 @@
               </a:lnSpc>
             </a:pPr>
             <a:r>
-              <a:rPr lang="en-US" sz="2400" dirty="0" smtClean="0"/>
+              <a:rPr lang="en-US" sz="2400" dirty="0"/>
               <a:t>Navigate till you find your python script</a:t>
             </a:r>
-            <a:endParaRPr lang="en-US" sz="2400" dirty="0"/>
           </a:p>
         </p:txBody>
       </p:sp>
@@ -10066,16 +9609,12 @@
   <p:clrMapOvr>
     <a:masterClrMapping/>
   </p:clrMapOvr>
-  <mc:AlternateContent xmlns:mc="http://schemas.openxmlformats.org/markup-compatibility/2006" xmlns:p14="http://schemas.microsoft.com/office/powerpoint/2010/main">
-    <mc:Choice Requires="p14">
-      <p:transition spd="med" p14:dur="700">
-        <p:fade/>
-      </p:transition>
+  <mc:AlternateContent xmlns:mc="http://schemas.openxmlformats.org/markup-compatibility/2006">
+    <mc:Choice xmlns:p14="http://schemas.microsoft.com/office/powerpoint/2010/main" Requires="p14">
+      <p:transition p14:dur="0"/>
     </mc:Choice>
-    <mc:Fallback xmlns="">
-      <p:transition spd="med">
-        <p:fade/>
-      </p:transition>
+    <mc:Fallback>
+      <p:transition/>
     </mc:Fallback>
   </mc:AlternateContent>
 </p:sld>
@@ -10114,10 +9653,9 @@
           <a:lstStyle/>
           <a:p>
             <a:r>
-              <a:rPr lang="en-US" dirty="0" smtClean="0"/>
+              <a:rPr lang="en-US" dirty="0"/>
               <a:t>Add the button to your menu bar</a:t>
             </a:r>
-            <a:endParaRPr lang="en-US" dirty="0"/>
           </a:p>
         </p:txBody>
       </p:sp>
@@ -10174,10 +9712,9 @@
               </a:lnSpc>
             </a:pPr>
             <a:r>
-              <a:rPr lang="en-US" sz="2400" dirty="0" smtClean="0"/>
+              <a:rPr lang="en-US" sz="2400" dirty="0"/>
               <a:t>Click and drag your tool to the main menu bar</a:t>
             </a:r>
-            <a:endParaRPr lang="en-US" sz="2400" dirty="0"/>
           </a:p>
         </p:txBody>
       </p:sp>
@@ -10290,16 +9827,12 @@
   <p:clrMapOvr>
     <a:masterClrMapping/>
   </p:clrMapOvr>
-  <mc:AlternateContent xmlns:mc="http://schemas.openxmlformats.org/markup-compatibility/2006" xmlns:p14="http://schemas.microsoft.com/office/powerpoint/2010/main">
-    <mc:Choice Requires="p14">
-      <p:transition spd="med" p14:dur="700">
-        <p:fade/>
-      </p:transition>
+  <mc:AlternateContent xmlns:mc="http://schemas.openxmlformats.org/markup-compatibility/2006">
+    <mc:Choice xmlns:p14="http://schemas.microsoft.com/office/powerpoint/2010/main" Requires="p14">
+      <p:transition p14:dur="0"/>
     </mc:Choice>
-    <mc:Fallback xmlns="">
-      <p:transition spd="med">
-        <p:fade/>
-      </p:transition>
+    <mc:Fallback>
+      <p:transition/>
     </mc:Fallback>
   </mc:AlternateContent>
 </p:sld>
@@ -10338,10 +9871,9 @@
           <a:lstStyle/>
           <a:p>
             <a:r>
-              <a:rPr lang="en-US" dirty="0" smtClean="0"/>
+              <a:rPr lang="en-US" dirty="0"/>
               <a:t>Run Your Tool</a:t>
             </a:r>
-            <a:endParaRPr lang="en-US" dirty="0"/>
           </a:p>
         </p:txBody>
       </p:sp>
@@ -10450,16 +9982,12 @@
   <p:clrMapOvr>
     <a:masterClrMapping/>
   </p:clrMapOvr>
-  <mc:AlternateContent xmlns:mc="http://schemas.openxmlformats.org/markup-compatibility/2006" xmlns:p14="http://schemas.microsoft.com/office/powerpoint/2010/main">
-    <mc:Choice Requires="p14">
-      <p:transition spd="med" p14:dur="700">
-        <p:fade/>
-      </p:transition>
+  <mc:AlternateContent xmlns:mc="http://schemas.openxmlformats.org/markup-compatibility/2006">
+    <mc:Choice xmlns:p14="http://schemas.microsoft.com/office/powerpoint/2010/main" Requires="p14">
+      <p:transition p14:dur="0"/>
     </mc:Choice>
-    <mc:Fallback xmlns="">
-      <p:transition spd="med">
-        <p:fade/>
-      </p:transition>
+    <mc:Fallback>
+      <p:transition/>
     </mc:Fallback>
   </mc:AlternateContent>
 </p:sld>
@@ -10498,15 +10026,11 @@
           <a:lstStyle/>
           <a:p>
             <a:r>
-              <a:rPr lang="en-US" dirty="0" err="1" smtClean="0"/>
+              <a:rPr lang="en-US" dirty="0" err="1"/>
               <a:t>ArcPro</a:t>
             </a:r>
-            <a:r>
-              <a:rPr lang="en-US" dirty="0" smtClean="0"/>
-              <a:t/>
-            </a:r>
             <a:br>
-              <a:rPr lang="en-US" dirty="0" smtClean="0"/>
+              <a:rPr lang="en-US" dirty="0"/>
             </a:br>
             <a:endParaRPr lang="en-US" dirty="0"/>
           </a:p>
@@ -10541,16 +10065,12 @@
   <p:clrMapOvr>
     <a:masterClrMapping/>
   </p:clrMapOvr>
-  <mc:AlternateContent xmlns:mc="http://schemas.openxmlformats.org/markup-compatibility/2006" xmlns:p14="http://schemas.microsoft.com/office/powerpoint/2010/main">
-    <mc:Choice Requires="p14">
-      <p:transition spd="med" p14:dur="700">
-        <p:fade/>
-      </p:transition>
+  <mc:AlternateContent xmlns:mc="http://schemas.openxmlformats.org/markup-compatibility/2006">
+    <mc:Choice xmlns:p14="http://schemas.microsoft.com/office/powerpoint/2010/main" Requires="p14">
+      <p:transition p14:dur="0"/>
     </mc:Choice>
-    <mc:Fallback xmlns="">
-      <p:transition spd="med">
-        <p:fade/>
-      </p:transition>
+    <mc:Fallback>
+      <p:transition/>
     </mc:Fallback>
   </mc:AlternateContent>
 </p:sld>
@@ -10589,7 +10109,7 @@
           <a:lstStyle/>
           <a:p>
             <a:r>
-              <a:rPr lang="en-US" dirty="0" err="1" smtClean="0"/>
+              <a:rPr lang="en-US" dirty="0" err="1"/>
               <a:t>ArcPro</a:t>
             </a:r>
             <a:endParaRPr lang="en-US" dirty="0"/>
@@ -10612,14 +10132,13 @@
           <a:lstStyle/>
           <a:p>
             <a:r>
-              <a:rPr lang="en-US" dirty="0" err="1" smtClean="0"/>
+              <a:rPr lang="en-US" dirty="0" err="1"/>
               <a:t>ArcPro</a:t>
             </a:r>
             <a:r>
-              <a:rPr lang="en-US" dirty="0" smtClean="0"/>
+              <a:rPr lang="en-US" dirty="0"/>
               <a:t> supports all of the functionality of your scripts but requires you to build them in another program and then import.</a:t>
             </a:r>
-            <a:endParaRPr lang="en-US" dirty="0"/>
           </a:p>
         </p:txBody>
       </p:sp>
@@ -10633,16 +10152,12 @@
   <p:clrMapOvr>
     <a:masterClrMapping/>
   </p:clrMapOvr>
-  <mc:AlternateContent xmlns:mc="http://schemas.openxmlformats.org/markup-compatibility/2006" xmlns:p14="http://schemas.microsoft.com/office/powerpoint/2010/main">
-    <mc:Choice Requires="p14">
-      <p:transition spd="med" p14:dur="700">
-        <p:fade/>
-      </p:transition>
+  <mc:AlternateContent xmlns:mc="http://schemas.openxmlformats.org/markup-compatibility/2006">
+    <mc:Choice xmlns:p14="http://schemas.microsoft.com/office/powerpoint/2010/main" Requires="p14">
+      <p:transition p14:dur="0"/>
     </mc:Choice>
-    <mc:Fallback xmlns="">
-      <p:transition spd="med">
-        <p:fade/>
-      </p:transition>
+    <mc:Fallback>
+      <p:transition/>
     </mc:Fallback>
   </mc:AlternateContent>
 </p:sld>
@@ -10681,7 +10196,7 @@
           <a:lstStyle/>
           <a:p>
             <a:r>
-              <a:rPr lang="en-US" dirty="0" err="1" smtClean="0"/>
+              <a:rPr lang="en-US" dirty="0" err="1"/>
               <a:t>ArcPro</a:t>
             </a:r>
             <a:endParaRPr lang="en-US" dirty="0"/>
@@ -10734,13 +10249,13 @@
           <a:lstStyle/>
           <a:p>
             <a:r>
-              <a:rPr lang="en-US" dirty="0" smtClean="0"/>
+              <a:rPr lang="en-US" dirty="0"/>
               <a:t>Select the Project Tab</a:t>
             </a:r>
           </a:p>
           <a:p>
             <a:r>
-              <a:rPr lang="en-US" dirty="0" smtClean="0"/>
+              <a:rPr lang="en-US" dirty="0"/>
               <a:t>Right click to create a new script</a:t>
             </a:r>
           </a:p>
@@ -10802,16 +10317,12 @@
   <p:clrMapOvr>
     <a:masterClrMapping/>
   </p:clrMapOvr>
-  <mc:AlternateContent xmlns:mc="http://schemas.openxmlformats.org/markup-compatibility/2006" xmlns:p14="http://schemas.microsoft.com/office/powerpoint/2010/main">
-    <mc:Choice Requires="p14">
-      <p:transition spd="med" p14:dur="700">
-        <p:fade/>
-      </p:transition>
+  <mc:AlternateContent xmlns:mc="http://schemas.openxmlformats.org/markup-compatibility/2006">
+    <mc:Choice xmlns:p14="http://schemas.microsoft.com/office/powerpoint/2010/main" Requires="p14">
+      <p:transition p14:dur="0"/>
     </mc:Choice>
-    <mc:Fallback xmlns="">
-      <p:transition spd="med">
-        <p:fade/>
-      </p:transition>
+    <mc:Fallback>
+      <p:transition/>
     </mc:Fallback>
   </mc:AlternateContent>
 </p:sld>
@@ -10850,10 +10361,9 @@
           <a:lstStyle/>
           <a:p>
             <a:r>
-              <a:rPr lang="en-US" dirty="0" smtClean="0"/>
+              <a:rPr lang="en-US" dirty="0"/>
               <a:t>Setup the script</a:t>
             </a:r>
-            <a:endParaRPr lang="en-US" dirty="0"/>
           </a:p>
         </p:txBody>
       </p:sp>
@@ -10893,16 +10403,12 @@
   <p:clrMapOvr>
     <a:masterClrMapping/>
   </p:clrMapOvr>
-  <mc:AlternateContent xmlns:mc="http://schemas.openxmlformats.org/markup-compatibility/2006" xmlns:p14="http://schemas.microsoft.com/office/powerpoint/2010/main">
-    <mc:Choice Requires="p14">
-      <p:transition spd="med" p14:dur="700">
-        <p:fade/>
-      </p:transition>
+  <mc:AlternateContent xmlns:mc="http://schemas.openxmlformats.org/markup-compatibility/2006">
+    <mc:Choice xmlns:p14="http://schemas.microsoft.com/office/powerpoint/2010/main" Requires="p14">
+      <p:transition p14:dur="0"/>
     </mc:Choice>
-    <mc:Fallback xmlns="">
-      <p:transition spd="med">
-        <p:fade/>
-      </p:transition>
+    <mc:Fallback>
+      <p:transition/>
     </mc:Fallback>
   </mc:AlternateContent>
 </p:sld>
@@ -10941,10 +10447,9 @@
           <a:lstStyle/>
           <a:p>
             <a:r>
-              <a:rPr lang="en-US" dirty="0" smtClean="0"/>
+              <a:rPr lang="en-US" dirty="0"/>
               <a:t>To Access your Script Double-click on Toolbox</a:t>
             </a:r>
-            <a:endParaRPr lang="en-US" dirty="0"/>
           </a:p>
         </p:txBody>
       </p:sp>
@@ -11010,16 +10515,12 @@
   <p:clrMapOvr>
     <a:masterClrMapping/>
   </p:clrMapOvr>
-  <mc:AlternateContent xmlns:mc="http://schemas.openxmlformats.org/markup-compatibility/2006" xmlns:p14="http://schemas.microsoft.com/office/powerpoint/2010/main">
-    <mc:Choice Requires="p14">
-      <p:transition spd="med" p14:dur="700">
-        <p:fade/>
-      </p:transition>
+  <mc:AlternateContent xmlns:mc="http://schemas.openxmlformats.org/markup-compatibility/2006">
+    <mc:Choice xmlns:p14="http://schemas.microsoft.com/office/powerpoint/2010/main" Requires="p14">
+      <p:transition p14:dur="0"/>
     </mc:Choice>
-    <mc:Fallback xmlns="">
-      <p:transition spd="med">
-        <p:fade/>
-      </p:transition>
+    <mc:Fallback>
+      <p:transition/>
     </mc:Fallback>
   </mc:AlternateContent>
 </p:sld>
@@ -11058,10 +10559,9 @@
           <a:lstStyle/>
           <a:p>
             <a:r>
-              <a:rPr lang="en-US" dirty="0" smtClean="0"/>
+              <a:rPr lang="en-US" dirty="0"/>
               <a:t>General</a:t>
             </a:r>
-            <a:endParaRPr lang="en-US" dirty="0"/>
           </a:p>
         </p:txBody>
       </p:sp>
@@ -11107,26 +10607,26 @@
           <a:lstStyle/>
           <a:p>
             <a:r>
-              <a:rPr lang="en-US" dirty="0" smtClean="0"/>
+              <a:rPr lang="en-US" dirty="0"/>
               <a:t>Choose a name for your tool</a:t>
             </a:r>
           </a:p>
           <a:p>
             <a:pPr lvl="1"/>
             <a:r>
-              <a:rPr lang="en-US" dirty="0" smtClean="0"/>
+              <a:rPr lang="en-US" dirty="0"/>
               <a:t>No spaces</a:t>
             </a:r>
           </a:p>
           <a:p>
             <a:r>
-              <a:rPr lang="en-US" dirty="0" smtClean="0"/>
+              <a:rPr lang="en-US" dirty="0"/>
               <a:t>Label is a whatever you want</a:t>
             </a:r>
           </a:p>
           <a:p>
             <a:r>
-              <a:rPr lang="en-US" dirty="0" smtClean="0"/>
+              <a:rPr lang="en-US" dirty="0"/>
               <a:t>Script file is needed, find an existing file.</a:t>
             </a:r>
           </a:p>
@@ -11145,16 +10645,12 @@
   <p:clrMapOvr>
     <a:masterClrMapping/>
   </p:clrMapOvr>
-  <mc:AlternateContent xmlns:mc="http://schemas.openxmlformats.org/markup-compatibility/2006" xmlns:p14="http://schemas.microsoft.com/office/powerpoint/2010/main">
-    <mc:Choice Requires="p14">
-      <p:transition spd="med" p14:dur="700">
-        <p:fade/>
-      </p:transition>
+  <mc:AlternateContent xmlns:mc="http://schemas.openxmlformats.org/markup-compatibility/2006">
+    <mc:Choice xmlns:p14="http://schemas.microsoft.com/office/powerpoint/2010/main" Requires="p14">
+      <p:transition p14:dur="0"/>
     </mc:Choice>
-    <mc:Fallback xmlns="">
-      <p:transition spd="med">
-        <p:fade/>
-      </p:transition>
+    <mc:Fallback>
+      <p:transition/>
     </mc:Fallback>
   </mc:AlternateContent>
 </p:sld>
@@ -11193,10 +10689,9 @@
           <a:lstStyle/>
           <a:p>
             <a:r>
-              <a:rPr lang="en-US" dirty="0" smtClean="0"/>
+              <a:rPr lang="en-US" dirty="0"/>
               <a:t>Parameter Definition</a:t>
             </a:r>
-            <a:endParaRPr lang="en-US" dirty="0"/>
           </a:p>
         </p:txBody>
       </p:sp>
@@ -11242,10 +10737,9 @@
           <a:lstStyle/>
           <a:p>
             <a:r>
-              <a:rPr lang="en-US" dirty="0" smtClean="0"/>
+              <a:rPr lang="en-US" dirty="0"/>
               <a:t>You can enter in the names of the parameters.</a:t>
             </a:r>
-            <a:endParaRPr lang="en-US" dirty="0"/>
           </a:p>
         </p:txBody>
       </p:sp>
@@ -11259,16 +10753,12 @@
   <p:clrMapOvr>
     <a:masterClrMapping/>
   </p:clrMapOvr>
-  <mc:AlternateContent xmlns:mc="http://schemas.openxmlformats.org/markup-compatibility/2006" xmlns:p14="http://schemas.microsoft.com/office/powerpoint/2010/main">
-    <mc:Choice Requires="p14">
-      <p:transition spd="med" p14:dur="700">
-        <p:fade/>
-      </p:transition>
+  <mc:AlternateContent xmlns:mc="http://schemas.openxmlformats.org/markup-compatibility/2006">
+    <mc:Choice xmlns:p14="http://schemas.microsoft.com/office/powerpoint/2010/main" Requires="p14">
+      <p:transition p14:dur="0"/>
     </mc:Choice>
-    <mc:Fallback xmlns="">
-      <p:transition spd="med">
-        <p:fade/>
-      </p:transition>
+    <mc:Fallback>
+      <p:transition/>
     </mc:Fallback>
   </mc:AlternateContent>
 </p:sld>
@@ -11307,7 +10797,7 @@
           <a:lstStyle/>
           <a:p>
             <a:r>
-              <a:rPr lang="en-US" dirty="0" err="1" smtClean="0"/>
+              <a:rPr lang="en-US" dirty="0" err="1"/>
               <a:t>ArcPro</a:t>
             </a:r>
             <a:endParaRPr lang="en-US" dirty="0"/>
@@ -11360,13 +10850,13 @@
           <a:lstStyle/>
           <a:p>
             <a:r>
-              <a:rPr lang="en-US" dirty="0" smtClean="0"/>
+              <a:rPr lang="en-US" dirty="0"/>
               <a:t>Select the Project Tab</a:t>
             </a:r>
           </a:p>
           <a:p>
             <a:r>
-              <a:rPr lang="en-US" dirty="0" smtClean="0"/>
+              <a:rPr lang="en-US" dirty="0"/>
               <a:t>Right click to create a new script</a:t>
             </a:r>
           </a:p>
@@ -11428,16 +10918,12 @@
   <p:clrMapOvr>
     <a:masterClrMapping/>
   </p:clrMapOvr>
-  <mc:AlternateContent xmlns:mc="http://schemas.openxmlformats.org/markup-compatibility/2006" xmlns:p14="http://schemas.microsoft.com/office/powerpoint/2010/main">
-    <mc:Choice Requires="p14">
-      <p:transition spd="med" p14:dur="700">
-        <p:fade/>
-      </p:transition>
+  <mc:AlternateContent xmlns:mc="http://schemas.openxmlformats.org/markup-compatibility/2006">
+    <mc:Choice xmlns:p14="http://schemas.microsoft.com/office/powerpoint/2010/main" Requires="p14">
+      <p:transition p14:dur="0"/>
     </mc:Choice>
-    <mc:Fallback xmlns="">
-      <p:transition spd="med">
-        <p:fade/>
-      </p:transition>
+    <mc:Fallback>
+      <p:transition/>
     </mc:Fallback>
   </mc:AlternateContent>
 </p:sld>
@@ -11476,10 +10962,9 @@
           <a:lstStyle/>
           <a:p>
             <a:r>
-              <a:rPr lang="en-US" dirty="0" smtClean="0"/>
+              <a:rPr lang="en-US" dirty="0"/>
               <a:t>Command Line tool</a:t>
             </a:r>
-            <a:endParaRPr lang="en-US" dirty="0"/>
           </a:p>
         </p:txBody>
       </p:sp>
@@ -11512,16 +10997,12 @@
   <p:clrMapOvr>
     <a:masterClrMapping/>
   </p:clrMapOvr>
-  <mc:AlternateContent xmlns:mc="http://schemas.openxmlformats.org/markup-compatibility/2006" xmlns:p14="http://schemas.microsoft.com/office/powerpoint/2010/main">
-    <mc:Choice Requires="p14">
-      <p:transition spd="med" p14:dur="700">
-        <p:fade/>
-      </p:transition>
+  <mc:AlternateContent xmlns:mc="http://schemas.openxmlformats.org/markup-compatibility/2006">
+    <mc:Choice xmlns:p14="http://schemas.microsoft.com/office/powerpoint/2010/main" Requires="p14">
+      <p:transition p14:dur="0"/>
     </mc:Choice>
-    <mc:Fallback xmlns="">
-      <p:transition spd="med">
-        <p:fade/>
-      </p:transition>
+    <mc:Fallback>
+      <p:transition/>
     </mc:Fallback>
   </mc:AlternateContent>
 </p:sld>
@@ -11560,10 +11041,9 @@
           <a:lstStyle/>
           <a:p>
             <a:r>
-              <a:rPr lang="en-US" dirty="0" smtClean="0"/>
+              <a:rPr lang="en-US" dirty="0"/>
               <a:t>Argument parser</a:t>
             </a:r>
-            <a:endParaRPr lang="en-US" dirty="0"/>
           </a:p>
         </p:txBody>
       </p:sp>
@@ -11588,13 +11068,13 @@
               <a:buNone/>
             </a:pPr>
             <a:r>
-              <a:rPr lang="en-US" sz="1200" dirty="0" err="1" smtClean="0">
+              <a:rPr lang="en-US" sz="1200" dirty="0" err="1">
                 <a:latin typeface="Consolas" panose="020B0609020204030204" pitchFamily="49" charset="0"/>
               </a:rPr>
               <a:t>def</a:t>
             </a:r>
             <a:r>
-              <a:rPr lang="en-US" sz="1200" dirty="0" smtClean="0">
+              <a:rPr lang="en-US" sz="1200" dirty="0">
                 <a:latin typeface="Consolas" panose="020B0609020204030204" pitchFamily="49" charset="0"/>
               </a:rPr>
               <a:t> </a:t>
@@ -11620,31 +11100,7 @@
               <a:rPr lang="en-US" sz="1200" dirty="0">
                 <a:latin typeface="Consolas" panose="020B0609020204030204" pitchFamily="49" charset="0"/>
               </a:rPr>
-              <a:t>    </a:t>
-            </a:r>
-            <a:r>
-              <a:rPr lang="en-US" sz="1200" dirty="0" smtClean="0">
-                <a:latin typeface="Consolas" panose="020B0609020204030204" pitchFamily="49" charset="0"/>
-              </a:rPr>
-              <a:t>"""   </a:t>
-            </a:r>
-            <a:r>
-              <a:rPr lang="en-US" sz="1200" dirty="0">
-                <a:latin typeface="Consolas" panose="020B0609020204030204" pitchFamily="49" charset="0"/>
-              </a:rPr>
-              <a:t>return </a:t>
-            </a:r>
-            <a:r>
-              <a:rPr lang="en-US" sz="1200" dirty="0" smtClean="0">
-                <a:latin typeface="Consolas" panose="020B0609020204030204" pitchFamily="49" charset="0"/>
-              </a:rPr>
-              <a:t>arguments   </a:t>
-            </a:r>
-            <a:r>
-              <a:rPr lang="en-US" sz="1200" dirty="0">
-                <a:latin typeface="Consolas" panose="020B0609020204030204" pitchFamily="49" charset="0"/>
-              </a:rPr>
-              <a:t>"""</a:t>
+              <a:t>    """   return arguments   """</a:t>
             </a:r>
           </a:p>
           <a:p>
@@ -11907,14 +11363,11 @@
               <a:buNone/>
             </a:pPr>
             <a:r>
-              <a:rPr lang="en-US" sz="1200" dirty="0" smtClean="0">
+              <a:rPr lang="en-US" sz="1200" dirty="0">
                 <a:latin typeface="Consolas" panose="020B0609020204030204" pitchFamily="49" charset="0"/>
               </a:rPr>
               <a:t>    </a:t>
             </a:r>
-            <a:endParaRPr lang="en-US" sz="1200" dirty="0">
-              <a:latin typeface="Consolas" panose="020B0609020204030204" pitchFamily="49" charset="0"/>
-            </a:endParaRPr>
           </a:p>
           <a:p>
             <a:pPr marL="45720" indent="0">
@@ -11939,16 +11392,12 @@
   <p:clrMapOvr>
     <a:masterClrMapping/>
   </p:clrMapOvr>
-  <mc:AlternateContent xmlns:mc="http://schemas.openxmlformats.org/markup-compatibility/2006" xmlns:p14="http://schemas.microsoft.com/office/powerpoint/2010/main">
-    <mc:Choice Requires="p14">
-      <p:transition spd="med" p14:dur="700">
-        <p:fade/>
-      </p:transition>
+  <mc:AlternateContent xmlns:mc="http://schemas.openxmlformats.org/markup-compatibility/2006">
+    <mc:Choice xmlns:p14="http://schemas.microsoft.com/office/powerpoint/2010/main" Requires="p14">
+      <p:transition p14:dur="0"/>
     </mc:Choice>
-    <mc:Fallback xmlns="">
-      <p:transition spd="med">
-        <p:fade/>
-      </p:transition>
+    <mc:Fallback>
+      <p:transition/>
     </mc:Fallback>
   </mc:AlternateContent>
 </p:sld>
@@ -12149,19 +11598,19 @@
               <a:t>, </a:t>
             </a:r>
             <a:r>
-              <a:rPr lang="en-US" dirty="0" err="1" smtClean="0">
+              <a:rPr lang="en-US" dirty="0" err="1">
                 <a:latin typeface="Consolas" panose="020B0609020204030204" pitchFamily="49" charset="0"/>
               </a:rPr>
               <a:t>outShapefile</a:t>
             </a:r>
             <a:r>
-              <a:rPr lang="en-US" dirty="0" smtClean="0">
+              <a:rPr lang="en-US" dirty="0">
                 <a:latin typeface="Consolas" panose="020B0609020204030204" pitchFamily="49" charset="0"/>
               </a:rPr>
               <a:t>, </a:t>
             </a:r>
             <a:r>
-              <a:rPr lang="en-US" dirty="0" err="1" smtClean="0">
+              <a:rPr lang="en-US" dirty="0" err="1">
                 <a:latin typeface="Consolas" panose="020B0609020204030204" pitchFamily="49" charset="0"/>
               </a:rPr>
               <a:t>distance_with_unit</a:t>
@@ -12318,16 +11767,12 @@
   <p:clrMapOvr>
     <a:masterClrMapping/>
   </p:clrMapOvr>
-  <mc:AlternateContent xmlns:mc="http://schemas.openxmlformats.org/markup-compatibility/2006" xmlns:p14="http://schemas.microsoft.com/office/powerpoint/2010/main">
-    <mc:Choice Requires="p14">
-      <p:transition spd="med" p14:dur="700">
-        <p:fade/>
-      </p:transition>
+  <mc:AlternateContent xmlns:mc="http://schemas.openxmlformats.org/markup-compatibility/2006">
+    <mc:Choice xmlns:p14="http://schemas.microsoft.com/office/powerpoint/2010/main" Requires="p14">
+      <p:transition p14:dur="0"/>
     </mc:Choice>
-    <mc:Fallback xmlns="">
-      <p:transition spd="med">
-        <p:fade/>
-      </p:transition>
+    <mc:Fallback>
+      <p:transition/>
     </mc:Fallback>
   </mc:AlternateContent>
 </p:sld>
@@ -12366,10 +11811,9 @@
           <a:lstStyle/>
           <a:p>
             <a:r>
-              <a:rPr lang="en-US" dirty="0" smtClean="0"/>
+              <a:rPr lang="en-US" dirty="0"/>
               <a:t>Command Line</a:t>
             </a:r>
-            <a:endParaRPr lang="en-US" dirty="0"/>
           </a:p>
         </p:txBody>
       </p:sp>
@@ -12392,12 +11836,11 @@
               <a:rPr lang="en-US" dirty="0"/>
               <a:t>c:\Python27\ArcGIS10.5&gt;python buffer.py </a:t>
             </a:r>
-            <a:endParaRPr lang="en-US" dirty="0" smtClean="0"/>
           </a:p>
           <a:p>
             <a:pPr lvl="1"/>
             <a:r>
-              <a:rPr lang="en-US" dirty="0" smtClean="0"/>
+              <a:rPr lang="en-US" dirty="0"/>
               <a:t>--</a:t>
             </a:r>
             <a:r>
@@ -12406,41 +11849,27 @@
             </a:r>
             <a:r>
               <a:rPr lang="en-US" dirty="0"/>
-              <a:t> c:\</a:t>
-            </a:r>
-            <a:r>
-              <a:rPr lang="en-US" dirty="0" smtClean="0"/>
-              <a:t>work\boundaries_1840_IPUMS_MX_HSLAD_2005_2010.shp</a:t>
+              <a:t> c:\work\boundaries_1840_IPUMS_MX_HSLAD_2005_2010.shp</a:t>
             </a:r>
           </a:p>
           <a:p>
             <a:pPr lvl="1"/>
             <a:r>
-              <a:rPr lang="en-US" dirty="0" smtClean="0"/>
-              <a:t>--</a:t>
-            </a:r>
-            <a:r>
               <a:rPr lang="en-US" dirty="0"/>
-              <a:t>distance 50 </a:t>
-            </a:r>
-            <a:endParaRPr lang="en-US" dirty="0" smtClean="0"/>
+              <a:t>--distance 50 </a:t>
+            </a:r>
           </a:p>
           <a:p>
             <a:pPr lvl="1"/>
             <a:r>
-              <a:rPr lang="en-US" dirty="0" smtClean="0"/>
-              <a:t>--</a:t>
-            </a:r>
-            <a:r>
               <a:rPr lang="en-US" dirty="0"/>
-              <a:t>units Meters </a:t>
-            </a:r>
-            <a:endParaRPr lang="en-US" dirty="0" smtClean="0"/>
+              <a:t>--units Meters </a:t>
+            </a:r>
           </a:p>
           <a:p>
             <a:pPr lvl="1"/>
             <a:r>
-              <a:rPr lang="en-US" dirty="0" smtClean="0"/>
+              <a:rPr lang="en-US" dirty="0"/>
               <a:t>--</a:t>
             </a:r>
             <a:r>
@@ -12464,16 +11893,12 @@
   <p:clrMapOvr>
     <a:masterClrMapping/>
   </p:clrMapOvr>
-  <mc:AlternateContent xmlns:mc="http://schemas.openxmlformats.org/markup-compatibility/2006" xmlns:p14="http://schemas.microsoft.com/office/powerpoint/2010/main">
-    <mc:Choice Requires="p14">
-      <p:transition spd="med" p14:dur="700">
-        <p:fade/>
-      </p:transition>
+  <mc:AlternateContent xmlns:mc="http://schemas.openxmlformats.org/markup-compatibility/2006">
+    <mc:Choice xmlns:p14="http://schemas.microsoft.com/office/powerpoint/2010/main" Requires="p14">
+      <p:transition p14:dur="0"/>
     </mc:Choice>
-    <mc:Fallback xmlns="">
-      <p:transition spd="med">
-        <p:fade/>
-      </p:transition>
+    <mc:Fallback>
+      <p:transition/>
     </mc:Fallback>
   </mc:AlternateContent>
 </p:sld>
@@ -12512,14 +11937,13 @@
           <a:lstStyle/>
           <a:p>
             <a:r>
-              <a:rPr lang="en-US" dirty="0" err="1" smtClean="0"/>
+              <a:rPr lang="en-US" dirty="0" err="1"/>
               <a:t>ArcPro</a:t>
             </a:r>
             <a:r>
-              <a:rPr lang="en-US" dirty="0" smtClean="0"/>
+              <a:rPr lang="en-US" dirty="0"/>
               <a:t> – Importing old Toolboxes</a:t>
             </a:r>
-            <a:endParaRPr lang="en-US" dirty="0"/>
           </a:p>
         </p:txBody>
       </p:sp>
@@ -12544,42 +11968,42 @@
           <a:lstStyle/>
           <a:p>
             <a:r>
-              <a:rPr lang="en-US" dirty="0" smtClean="0"/>
+              <a:rPr lang="en-US" dirty="0"/>
               <a:t>Click on the Insert Tab</a:t>
             </a:r>
           </a:p>
           <a:p>
             <a:r>
-              <a:rPr lang="en-US" dirty="0" smtClean="0"/>
+              <a:rPr lang="en-US" dirty="0"/>
               <a:t>Click the Toolbox</a:t>
             </a:r>
           </a:p>
           <a:p>
             <a:pPr lvl="1"/>
             <a:r>
-              <a:rPr lang="en-US" dirty="0" smtClean="0"/>
+              <a:rPr lang="en-US" dirty="0"/>
               <a:t>Add Toolbox will let you import an existing toolbox</a:t>
             </a:r>
           </a:p>
           <a:p>
             <a:pPr lvl="1"/>
             <a:r>
-              <a:rPr lang="en-US" dirty="0" smtClean="0"/>
+              <a:rPr lang="en-US" dirty="0"/>
               <a:t>New Toolbox creates a new </a:t>
             </a:r>
             <a:r>
-              <a:rPr lang="en-US" dirty="0" err="1" smtClean="0"/>
+              <a:rPr lang="en-US" dirty="0" err="1"/>
               <a:t>ArcPro</a:t>
             </a:r>
             <a:r>
-              <a:rPr lang="en-US" dirty="0" smtClean="0"/>
+              <a:rPr lang="en-US" dirty="0"/>
               <a:t> Toolbox</a:t>
             </a:r>
           </a:p>
           <a:p>
             <a:pPr lvl="1"/>
             <a:r>
-              <a:rPr lang="en-US" dirty="0" smtClean="0"/>
+              <a:rPr lang="en-US" dirty="0"/>
               <a:t>New Python Toolbox creates a new ArcMap Toolbox</a:t>
             </a:r>
           </a:p>
@@ -12620,16 +12044,12 @@
   <p:clrMapOvr>
     <a:masterClrMapping/>
   </p:clrMapOvr>
-  <mc:AlternateContent xmlns:mc="http://schemas.openxmlformats.org/markup-compatibility/2006" xmlns:p14="http://schemas.microsoft.com/office/powerpoint/2010/main">
-    <mc:Choice Requires="p14">
-      <p:transition spd="med" p14:dur="700">
-        <p:fade/>
-      </p:transition>
+  <mc:AlternateContent xmlns:mc="http://schemas.openxmlformats.org/markup-compatibility/2006">
+    <mc:Choice xmlns:p14="http://schemas.microsoft.com/office/powerpoint/2010/main" Requires="p14">
+      <p:transition p14:dur="0"/>
     </mc:Choice>
-    <mc:Fallback xmlns="">
-      <p:transition spd="med">
-        <p:fade/>
-      </p:transition>
+    <mc:Fallback>
+      <p:transition/>
     </mc:Fallback>
   </mc:AlternateContent>
 </p:sld>
@@ -12668,7 +12088,7 @@
           <a:lstStyle/>
           <a:p>
             <a:r>
-              <a:rPr lang="en-US" dirty="0" err="1" smtClean="0"/>
+              <a:rPr lang="en-US" dirty="0" err="1"/>
               <a:t>ArcMAP</a:t>
             </a:r>
             <a:endParaRPr lang="en-US" dirty="0"/>
@@ -12691,11 +12111,11 @@
           <a:lstStyle/>
           <a:p>
             <a:r>
-              <a:rPr lang="en-US" dirty="0" smtClean="0"/>
+              <a:rPr lang="en-US" dirty="0"/>
               <a:t>Creating an </a:t>
             </a:r>
             <a:r>
-              <a:rPr lang="en-US" dirty="0" err="1" smtClean="0"/>
+              <a:rPr lang="en-US" dirty="0" err="1"/>
               <a:t>ArcToolbox</a:t>
             </a:r>
             <a:endParaRPr lang="en-US" dirty="0"/>
@@ -12712,16 +12132,12 @@
   <p:clrMapOvr>
     <a:masterClrMapping/>
   </p:clrMapOvr>
-  <mc:AlternateContent xmlns:mc="http://schemas.openxmlformats.org/markup-compatibility/2006" xmlns:p14="http://schemas.microsoft.com/office/powerpoint/2010/main">
-    <mc:Choice Requires="p14">
-      <p:transition spd="med" p14:dur="700">
-        <p:fade/>
-      </p:transition>
+  <mc:AlternateContent xmlns:mc="http://schemas.openxmlformats.org/markup-compatibility/2006">
+    <mc:Choice xmlns:p14="http://schemas.microsoft.com/office/powerpoint/2010/main" Requires="p14">
+      <p:transition p14:dur="0"/>
     </mc:Choice>
-    <mc:Fallback xmlns="">
-      <p:transition spd="med">
-        <p:fade/>
-      </p:transition>
+    <mc:Fallback>
+      <p:transition/>
     </mc:Fallback>
   </mc:AlternateContent>
 </p:sld>
@@ -12767,10 +12183,9 @@
           <a:lstStyle/>
           <a:p>
             <a:r>
-              <a:rPr lang="en-US" dirty="0" smtClean="0"/>
+              <a:rPr lang="en-US" dirty="0"/>
               <a:t>Modify the metadata of your Tool - ArcMap</a:t>
             </a:r>
-            <a:endParaRPr lang="en-US" dirty="0"/>
           </a:p>
         </p:txBody>
       </p:sp>
@@ -12809,16 +12224,12 @@
   <p:clrMapOvr>
     <a:masterClrMapping/>
   </p:clrMapOvr>
-  <mc:AlternateContent xmlns:mc="http://schemas.openxmlformats.org/markup-compatibility/2006" xmlns:p14="http://schemas.microsoft.com/office/powerpoint/2010/main">
-    <mc:Choice Requires="p14">
-      <p:transition spd="med" p14:dur="700">
-        <p:fade/>
-      </p:transition>
+  <mc:AlternateContent xmlns:mc="http://schemas.openxmlformats.org/markup-compatibility/2006">
+    <mc:Choice xmlns:p14="http://schemas.microsoft.com/office/powerpoint/2010/main" Requires="p14">
+      <p:transition p14:dur="0"/>
     </mc:Choice>
-    <mc:Fallback xmlns="">
-      <p:transition spd="med">
-        <p:fade/>
-      </p:transition>
+    <mc:Fallback>
+      <p:transition/>
     </mc:Fallback>
   </mc:AlternateContent>
 </p:sld>
@@ -12857,7 +12268,7 @@
           <a:lstStyle/>
           <a:p>
             <a:r>
-              <a:rPr lang="en-US" dirty="0" err="1" smtClean="0"/>
+              <a:rPr lang="en-US" dirty="0" err="1"/>
               <a:t>ArcToolBox</a:t>
             </a:r>
             <a:endParaRPr lang="en-US" dirty="0"/>
@@ -12905,13 +12316,13 @@
           <a:lstStyle/>
           <a:p>
             <a:r>
-              <a:rPr lang="en-US" dirty="0" smtClean="0"/>
+              <a:rPr lang="en-US" dirty="0"/>
               <a:t>Right-click on your toolbox</a:t>
             </a:r>
           </a:p>
           <a:p>
             <a:r>
-              <a:rPr lang="en-US" dirty="0" smtClean="0"/>
+              <a:rPr lang="en-US" dirty="0"/>
               <a:t>Click Edit to see your code</a:t>
             </a:r>
           </a:p>
@@ -12960,16 +12371,12 @@
   <p:clrMapOvr>
     <a:masterClrMapping/>
   </p:clrMapOvr>
-  <mc:AlternateContent xmlns:mc="http://schemas.openxmlformats.org/markup-compatibility/2006" xmlns:p14="http://schemas.microsoft.com/office/powerpoint/2010/main">
-    <mc:Choice Requires="p14">
-      <p:transition spd="med" p14:dur="700">
-        <p:fade/>
-      </p:transition>
+  <mc:AlternateContent xmlns:mc="http://schemas.openxmlformats.org/markup-compatibility/2006">
+    <mc:Choice xmlns:p14="http://schemas.microsoft.com/office/powerpoint/2010/main" Requires="p14">
+      <p:transition p14:dur="0"/>
     </mc:Choice>
-    <mc:Fallback xmlns="">
-      <p:transition spd="med">
-        <p:fade/>
-      </p:transition>
+    <mc:Fallback>
+      <p:transition/>
     </mc:Fallback>
   </mc:AlternateContent>
 </p:sld>
@@ -13056,28 +12463,27 @@
           <a:lstStyle/>
           <a:p>
             <a:r>
-              <a:rPr lang="en-US" dirty="0" smtClean="0"/>
+              <a:rPr lang="en-US" dirty="0"/>
               <a:t>Two Classes</a:t>
             </a:r>
           </a:p>
           <a:p>
             <a:pPr lvl="1"/>
             <a:r>
-              <a:rPr lang="en-US" dirty="0" err="1" smtClean="0"/>
+              <a:rPr lang="en-US" dirty="0" err="1"/>
               <a:t>ToolBox</a:t>
             </a:r>
             <a:r>
-              <a:rPr lang="en-US" dirty="0" smtClean="0"/>
+              <a:rPr lang="en-US" dirty="0"/>
               <a:t> Class, which can have more than 1 tool</a:t>
             </a:r>
           </a:p>
           <a:p>
             <a:pPr lvl="1"/>
             <a:r>
-              <a:rPr lang="en-US" dirty="0" smtClean="0"/>
+              <a:rPr lang="en-US" dirty="0"/>
               <a:t>Tool Class</a:t>
             </a:r>
-            <a:endParaRPr lang="en-US" dirty="0"/>
           </a:p>
         </p:txBody>
       </p:sp>
@@ -13091,16 +12497,12 @@
   <p:clrMapOvr>
     <a:masterClrMapping/>
   </p:clrMapOvr>
-  <mc:AlternateContent xmlns:mc="http://schemas.openxmlformats.org/markup-compatibility/2006" xmlns:p14="http://schemas.microsoft.com/office/powerpoint/2010/main">
-    <mc:Choice Requires="p14">
-      <p:transition spd="med" p14:dur="700">
-        <p:fade/>
-      </p:transition>
+  <mc:AlternateContent xmlns:mc="http://schemas.openxmlformats.org/markup-compatibility/2006">
+    <mc:Choice xmlns:p14="http://schemas.microsoft.com/office/powerpoint/2010/main" Requires="p14">
+      <p:transition p14:dur="0"/>
     </mc:Choice>
-    <mc:Fallback xmlns="">
-      <p:transition spd="med">
-        <p:fade/>
-      </p:transition>
+    <mc:Fallback>
+      <p:transition/>
     </mc:Fallback>
   </mc:AlternateContent>
 </p:sld>
